--- a/Team2Project/src/main/resources/static/ppt/profile/포토폴리오.pptx
+++ b/Team2Project/src/main/resources/static/ppt/profile/포토폴리오.pptx
@@ -126,7 +126,13 @@
       </p:grpSpPr>
       <p:sp>
         <p:nvSpPr>
-          <p:cNvPr id="2" name="제목 1"/>
+          <p:cNvPr id="2" name="제목 1">
+            <a:extLst>
+              <a:ext uri="{FF2B5EF4-FFF2-40B4-BE49-F238E27FC236}">
+                <a16:creationId xmlns:a16="http://schemas.microsoft.com/office/drawing/2014/main" id="{E46EA4EC-097C-4300-A43B-6CA2686EC886}"/>
+              </a:ext>
+            </a:extLst>
+          </p:cNvPr>
           <p:cNvSpPr>
             <a:spLocks noGrp="1"/>
           </p:cNvSpPr>
@@ -149,16 +155,21 @@
           </a:lstStyle>
           <a:p>
             <a:r>
-              <a:rPr lang="ko-KR" altLang="en-US" smtClean="0"/>
+              <a:rPr lang="ko-KR" altLang="en-US"/>
               <a:t>마스터 제목 스타일 편집</a:t>
             </a:r>
-            <a:endParaRPr lang="ko-KR" altLang="en-US"/>
-          </a:p>
-        </p:txBody>
-      </p:sp>
-      <p:sp>
-        <p:nvSpPr>
-          <p:cNvPr id="3" name="부제목 2"/>
+          </a:p>
+        </p:txBody>
+      </p:sp>
+      <p:sp>
+        <p:nvSpPr>
+          <p:cNvPr id="3" name="부제목 2">
+            <a:extLst>
+              <a:ext uri="{FF2B5EF4-FFF2-40B4-BE49-F238E27FC236}">
+                <a16:creationId xmlns:a16="http://schemas.microsoft.com/office/drawing/2014/main" id="{A26A9B34-8ECD-44BB-8754-2F7A13637FAC}"/>
+              </a:ext>
+            </a:extLst>
+          </p:cNvPr>
           <p:cNvSpPr>
             <a:spLocks noGrp="1"/>
           </p:cNvSpPr>
@@ -214,31 +225,36 @@
           </a:lstStyle>
           <a:p>
             <a:r>
+              <a:rPr lang="ko-KR" altLang="en-US"/>
+              <a:t>클릭하여 마스터 부제목 스타일 편집</a:t>
+            </a:r>
+          </a:p>
+        </p:txBody>
+      </p:sp>
+      <p:sp>
+        <p:nvSpPr>
+          <p:cNvPr id="4" name="날짜 개체 틀 3">
+            <a:extLst>
+              <a:ext uri="{FF2B5EF4-FFF2-40B4-BE49-F238E27FC236}">
+                <a16:creationId xmlns:a16="http://schemas.microsoft.com/office/drawing/2014/main" id="{38150C94-761A-4D78-89D1-C2B307E5E99D}"/>
+              </a:ext>
+            </a:extLst>
+          </p:cNvPr>
+          <p:cNvSpPr>
+            <a:spLocks noGrp="1"/>
+          </p:cNvSpPr>
+          <p:nvPr>
+            <p:ph type="dt" sz="half" idx="10"/>
+          </p:nvPr>
+        </p:nvSpPr>
+        <p:spPr/>
+        <p:txBody>
+          <a:bodyPr/>
+          <a:lstStyle/>
+          <a:p>
+            <a:fld id="{0AA82046-C490-4F83-A32B-AE852D47094C}" type="datetimeFigureOut">
               <a:rPr lang="ko-KR" altLang="en-US" smtClean="0"/>
-              <a:t>클릭하여 마스터 부제목 스타일 편집</a:t>
-            </a:r>
-            <a:endParaRPr lang="ko-KR" altLang="en-US"/>
-          </a:p>
-        </p:txBody>
-      </p:sp>
-      <p:sp>
-        <p:nvSpPr>
-          <p:cNvPr id="4" name="날짜 개체 틀 3"/>
-          <p:cNvSpPr>
-            <a:spLocks noGrp="1"/>
-          </p:cNvSpPr>
-          <p:nvPr>
-            <p:ph type="dt" sz="half" idx="10"/>
-          </p:nvPr>
-        </p:nvSpPr>
-        <p:spPr/>
-        <p:txBody>
-          <a:bodyPr/>
-          <a:lstStyle/>
-          <a:p>
-            <a:fld id="{CCC634C4-C2FC-4E9A-AAA7-9E2D24F0F4FC}" type="datetimeFigureOut">
-              <a:rPr lang="ko-KR" altLang="en-US" smtClean="0"/>
-              <a:t>2024-06-04</a:t>
+              <a:t>2024-06-12</a:t>
             </a:fld>
             <a:endParaRPr lang="ko-KR" altLang="en-US"/>
           </a:p>
@@ -246,7 +262,13 @@
       </p:sp>
       <p:sp>
         <p:nvSpPr>
-          <p:cNvPr id="5" name="바닥글 개체 틀 4"/>
+          <p:cNvPr id="5" name="바닥글 개체 틀 4">
+            <a:extLst>
+              <a:ext uri="{FF2B5EF4-FFF2-40B4-BE49-F238E27FC236}">
+                <a16:creationId xmlns:a16="http://schemas.microsoft.com/office/drawing/2014/main" id="{562EA29E-F2B8-4D3D-9A22-9E5173F11EA7}"/>
+              </a:ext>
+            </a:extLst>
+          </p:cNvPr>
           <p:cNvSpPr>
             <a:spLocks noGrp="1"/>
           </p:cNvSpPr>
@@ -265,7 +287,13 @@
       </p:sp>
       <p:sp>
         <p:nvSpPr>
-          <p:cNvPr id="6" name="슬라이드 번호 개체 틀 5"/>
+          <p:cNvPr id="6" name="슬라이드 번호 개체 틀 5">
+            <a:extLst>
+              <a:ext uri="{FF2B5EF4-FFF2-40B4-BE49-F238E27FC236}">
+                <a16:creationId xmlns:a16="http://schemas.microsoft.com/office/drawing/2014/main" id="{D96F5D33-0EEE-420D-ABE9-8B148D7EE60B}"/>
+              </a:ext>
+            </a:extLst>
+          </p:cNvPr>
           <p:cNvSpPr>
             <a:spLocks noGrp="1"/>
           </p:cNvSpPr>
@@ -278,7 +306,7 @@
           <a:bodyPr/>
           <a:lstStyle/>
           <a:p>
-            <a:fld id="{3D84AFC1-1904-48EB-8B09-EBD0EA3A0F3E}" type="slidenum">
+            <a:fld id="{6F733374-783B-4BE3-957A-35CA394D5AD6}" type="slidenum">
               <a:rPr lang="ko-KR" altLang="en-US" smtClean="0"/>
               <a:t>‹#›</a:t>
             </a:fld>
@@ -289,7 +317,7 @@
     </p:spTree>
     <p:extLst>
       <p:ext uri="{BB962C8B-B14F-4D97-AF65-F5344CB8AC3E}">
-        <p14:creationId xmlns:p14="http://schemas.microsoft.com/office/powerpoint/2010/main" val="2862693491"/>
+        <p14:creationId xmlns:p14="http://schemas.microsoft.com/office/powerpoint/2010/main" val="2928030456"/>
       </p:ext>
     </p:extLst>
   </p:cSld>
@@ -318,7 +346,13 @@
       </p:grpSpPr>
       <p:sp>
         <p:nvSpPr>
-          <p:cNvPr id="2" name="제목 1"/>
+          <p:cNvPr id="2" name="제목 1">
+            <a:extLst>
+              <a:ext uri="{FF2B5EF4-FFF2-40B4-BE49-F238E27FC236}">
+                <a16:creationId xmlns:a16="http://schemas.microsoft.com/office/drawing/2014/main" id="{203B932E-EB05-4A39-BB7F-D40EB0232A06}"/>
+              </a:ext>
+            </a:extLst>
+          </p:cNvPr>
           <p:cNvSpPr>
             <a:spLocks noGrp="1"/>
           </p:cNvSpPr>
@@ -332,83 +366,93 @@
           <a:lstStyle/>
           <a:p>
             <a:r>
+              <a:rPr lang="ko-KR" altLang="en-US"/>
+              <a:t>마스터 제목 스타일 편집</a:t>
+            </a:r>
+          </a:p>
+        </p:txBody>
+      </p:sp>
+      <p:sp>
+        <p:nvSpPr>
+          <p:cNvPr id="3" name="세로 텍스트 개체 틀 2">
+            <a:extLst>
+              <a:ext uri="{FF2B5EF4-FFF2-40B4-BE49-F238E27FC236}">
+                <a16:creationId xmlns:a16="http://schemas.microsoft.com/office/drawing/2014/main" id="{EEF52384-4DDD-48D9-9018-EF7042FB36A2}"/>
+              </a:ext>
+            </a:extLst>
+          </p:cNvPr>
+          <p:cNvSpPr>
+            <a:spLocks noGrp="1"/>
+          </p:cNvSpPr>
+          <p:nvPr>
+            <p:ph type="body" orient="vert" idx="1"/>
+          </p:nvPr>
+        </p:nvSpPr>
+        <p:spPr/>
+        <p:txBody>
+          <a:bodyPr vert="eaVert"/>
+          <a:lstStyle/>
+          <a:p>
+            <a:pPr lvl="0"/>
+            <a:r>
+              <a:rPr lang="ko-KR" altLang="en-US"/>
+              <a:t>마스터 텍스트 스타일을 편집하려면 클릭</a:t>
+            </a:r>
+          </a:p>
+          <a:p>
+            <a:pPr lvl="1"/>
+            <a:r>
+              <a:rPr lang="ko-KR" altLang="en-US"/>
+              <a:t>두 번째 수준</a:t>
+            </a:r>
+          </a:p>
+          <a:p>
+            <a:pPr lvl="2"/>
+            <a:r>
+              <a:rPr lang="ko-KR" altLang="en-US"/>
+              <a:t>세 번째 수준</a:t>
+            </a:r>
+          </a:p>
+          <a:p>
+            <a:pPr lvl="3"/>
+            <a:r>
+              <a:rPr lang="ko-KR" altLang="en-US"/>
+              <a:t>네 번째 수준</a:t>
+            </a:r>
+          </a:p>
+          <a:p>
+            <a:pPr lvl="4"/>
+            <a:r>
+              <a:rPr lang="ko-KR" altLang="en-US"/>
+              <a:t>다섯 번째 수준</a:t>
+            </a:r>
+          </a:p>
+        </p:txBody>
+      </p:sp>
+      <p:sp>
+        <p:nvSpPr>
+          <p:cNvPr id="4" name="날짜 개체 틀 3">
+            <a:extLst>
+              <a:ext uri="{FF2B5EF4-FFF2-40B4-BE49-F238E27FC236}">
+                <a16:creationId xmlns:a16="http://schemas.microsoft.com/office/drawing/2014/main" id="{98DD3A40-0B46-4087-8293-202118AF1B66}"/>
+              </a:ext>
+            </a:extLst>
+          </p:cNvPr>
+          <p:cNvSpPr>
+            <a:spLocks noGrp="1"/>
+          </p:cNvSpPr>
+          <p:nvPr>
+            <p:ph type="dt" sz="half" idx="10"/>
+          </p:nvPr>
+        </p:nvSpPr>
+        <p:spPr/>
+        <p:txBody>
+          <a:bodyPr/>
+          <a:lstStyle/>
+          <a:p>
+            <a:fld id="{0AA82046-C490-4F83-A32B-AE852D47094C}" type="datetimeFigureOut">
               <a:rPr lang="ko-KR" altLang="en-US" smtClean="0"/>
-              <a:t>마스터 제목 스타일 편집</a:t>
-            </a:r>
-            <a:endParaRPr lang="ko-KR" altLang="en-US"/>
-          </a:p>
-        </p:txBody>
-      </p:sp>
-      <p:sp>
-        <p:nvSpPr>
-          <p:cNvPr id="3" name="세로 텍스트 개체 틀 2"/>
-          <p:cNvSpPr>
-            <a:spLocks noGrp="1"/>
-          </p:cNvSpPr>
-          <p:nvPr>
-            <p:ph type="body" orient="vert" idx="1"/>
-          </p:nvPr>
-        </p:nvSpPr>
-        <p:spPr/>
-        <p:txBody>
-          <a:bodyPr vert="eaVert"/>
-          <a:lstStyle/>
-          <a:p>
-            <a:pPr lvl="0"/>
-            <a:r>
-              <a:rPr lang="ko-KR" altLang="en-US" smtClean="0"/>
-              <a:t>마스터 텍스트 스타일 편집</a:t>
-            </a:r>
-          </a:p>
-          <a:p>
-            <a:pPr lvl="1"/>
-            <a:r>
-              <a:rPr lang="ko-KR" altLang="en-US" smtClean="0"/>
-              <a:t>둘째 수준</a:t>
-            </a:r>
-          </a:p>
-          <a:p>
-            <a:pPr lvl="2"/>
-            <a:r>
-              <a:rPr lang="ko-KR" altLang="en-US" smtClean="0"/>
-              <a:t>셋째 수준</a:t>
-            </a:r>
-          </a:p>
-          <a:p>
-            <a:pPr lvl="3"/>
-            <a:r>
-              <a:rPr lang="ko-KR" altLang="en-US" smtClean="0"/>
-              <a:t>넷째 수준</a:t>
-            </a:r>
-          </a:p>
-          <a:p>
-            <a:pPr lvl="4"/>
-            <a:r>
-              <a:rPr lang="ko-KR" altLang="en-US" smtClean="0"/>
-              <a:t>다섯째 수준</a:t>
-            </a:r>
-            <a:endParaRPr lang="ko-KR" altLang="en-US"/>
-          </a:p>
-        </p:txBody>
-      </p:sp>
-      <p:sp>
-        <p:nvSpPr>
-          <p:cNvPr id="4" name="날짜 개체 틀 3"/>
-          <p:cNvSpPr>
-            <a:spLocks noGrp="1"/>
-          </p:cNvSpPr>
-          <p:nvPr>
-            <p:ph type="dt" sz="half" idx="10"/>
-          </p:nvPr>
-        </p:nvSpPr>
-        <p:spPr/>
-        <p:txBody>
-          <a:bodyPr/>
-          <a:lstStyle/>
-          <a:p>
-            <a:fld id="{CCC634C4-C2FC-4E9A-AAA7-9E2D24F0F4FC}" type="datetimeFigureOut">
-              <a:rPr lang="ko-KR" altLang="en-US" smtClean="0"/>
-              <a:t>2024-06-04</a:t>
+              <a:t>2024-06-12</a:t>
             </a:fld>
             <a:endParaRPr lang="ko-KR" altLang="en-US"/>
           </a:p>
@@ -416,7 +460,13 @@
       </p:sp>
       <p:sp>
         <p:nvSpPr>
-          <p:cNvPr id="5" name="바닥글 개체 틀 4"/>
+          <p:cNvPr id="5" name="바닥글 개체 틀 4">
+            <a:extLst>
+              <a:ext uri="{FF2B5EF4-FFF2-40B4-BE49-F238E27FC236}">
+                <a16:creationId xmlns:a16="http://schemas.microsoft.com/office/drawing/2014/main" id="{5FE1ECE2-30D6-4D18-B2F9-3A4BB8BBDC20}"/>
+              </a:ext>
+            </a:extLst>
+          </p:cNvPr>
           <p:cNvSpPr>
             <a:spLocks noGrp="1"/>
           </p:cNvSpPr>
@@ -435,7 +485,13 @@
       </p:sp>
       <p:sp>
         <p:nvSpPr>
-          <p:cNvPr id="6" name="슬라이드 번호 개체 틀 5"/>
+          <p:cNvPr id="6" name="슬라이드 번호 개체 틀 5">
+            <a:extLst>
+              <a:ext uri="{FF2B5EF4-FFF2-40B4-BE49-F238E27FC236}">
+                <a16:creationId xmlns:a16="http://schemas.microsoft.com/office/drawing/2014/main" id="{6CA53D43-F28F-4A3E-806F-09A554F8C6F7}"/>
+              </a:ext>
+            </a:extLst>
+          </p:cNvPr>
           <p:cNvSpPr>
             <a:spLocks noGrp="1"/>
           </p:cNvSpPr>
@@ -448,7 +504,7 @@
           <a:bodyPr/>
           <a:lstStyle/>
           <a:p>
-            <a:fld id="{3D84AFC1-1904-48EB-8B09-EBD0EA3A0F3E}" type="slidenum">
+            <a:fld id="{6F733374-783B-4BE3-957A-35CA394D5AD6}" type="slidenum">
               <a:rPr lang="ko-KR" altLang="en-US" smtClean="0"/>
               <a:t>‹#›</a:t>
             </a:fld>
@@ -459,7 +515,7 @@
     </p:spTree>
     <p:extLst>
       <p:ext uri="{BB962C8B-B14F-4D97-AF65-F5344CB8AC3E}">
-        <p14:creationId xmlns:p14="http://schemas.microsoft.com/office/powerpoint/2010/main" val="3174100856"/>
+        <p14:creationId xmlns:p14="http://schemas.microsoft.com/office/powerpoint/2010/main" val="1982949925"/>
       </p:ext>
     </p:extLst>
   </p:cSld>
@@ -488,7 +544,13 @@
       </p:grpSpPr>
       <p:sp>
         <p:nvSpPr>
-          <p:cNvPr id="2" name="세로 제목 1"/>
+          <p:cNvPr id="2" name="세로 제목 1">
+            <a:extLst>
+              <a:ext uri="{FF2B5EF4-FFF2-40B4-BE49-F238E27FC236}">
+                <a16:creationId xmlns:a16="http://schemas.microsoft.com/office/drawing/2014/main" id="{AB6DCDF5-2215-4B7D-93A7-6DF4182FEBC8}"/>
+              </a:ext>
+            </a:extLst>
+          </p:cNvPr>
           <p:cNvSpPr>
             <a:spLocks noGrp="1"/>
           </p:cNvSpPr>
@@ -507,16 +569,21 @@
           <a:lstStyle/>
           <a:p>
             <a:r>
-              <a:rPr lang="ko-KR" altLang="en-US" smtClean="0"/>
+              <a:rPr lang="ko-KR" altLang="en-US"/>
               <a:t>마스터 제목 스타일 편집</a:t>
             </a:r>
-            <a:endParaRPr lang="ko-KR" altLang="en-US"/>
-          </a:p>
-        </p:txBody>
-      </p:sp>
-      <p:sp>
-        <p:nvSpPr>
-          <p:cNvPr id="3" name="세로 텍스트 개체 틀 2"/>
+          </a:p>
+        </p:txBody>
+      </p:sp>
+      <p:sp>
+        <p:nvSpPr>
+          <p:cNvPr id="3" name="세로 텍스트 개체 틀 2">
+            <a:extLst>
+              <a:ext uri="{FF2B5EF4-FFF2-40B4-BE49-F238E27FC236}">
+                <a16:creationId xmlns:a16="http://schemas.microsoft.com/office/drawing/2014/main" id="{8588C6CC-B563-4B53-B3DC-B0E523CFB096}"/>
+              </a:ext>
+            </a:extLst>
+          </p:cNvPr>
           <p:cNvSpPr>
             <a:spLocks noGrp="1"/>
           </p:cNvSpPr>
@@ -536,59 +603,64 @@
           <a:p>
             <a:pPr lvl="0"/>
             <a:r>
+              <a:rPr lang="ko-KR" altLang="en-US"/>
+              <a:t>마스터 텍스트 스타일을 편집하려면 클릭</a:t>
+            </a:r>
+          </a:p>
+          <a:p>
+            <a:pPr lvl="1"/>
+            <a:r>
+              <a:rPr lang="ko-KR" altLang="en-US"/>
+              <a:t>두 번째 수준</a:t>
+            </a:r>
+          </a:p>
+          <a:p>
+            <a:pPr lvl="2"/>
+            <a:r>
+              <a:rPr lang="ko-KR" altLang="en-US"/>
+              <a:t>세 번째 수준</a:t>
+            </a:r>
+          </a:p>
+          <a:p>
+            <a:pPr lvl="3"/>
+            <a:r>
+              <a:rPr lang="ko-KR" altLang="en-US"/>
+              <a:t>네 번째 수준</a:t>
+            </a:r>
+          </a:p>
+          <a:p>
+            <a:pPr lvl="4"/>
+            <a:r>
+              <a:rPr lang="ko-KR" altLang="en-US"/>
+              <a:t>다섯 번째 수준</a:t>
+            </a:r>
+          </a:p>
+        </p:txBody>
+      </p:sp>
+      <p:sp>
+        <p:nvSpPr>
+          <p:cNvPr id="4" name="날짜 개체 틀 3">
+            <a:extLst>
+              <a:ext uri="{FF2B5EF4-FFF2-40B4-BE49-F238E27FC236}">
+                <a16:creationId xmlns:a16="http://schemas.microsoft.com/office/drawing/2014/main" id="{333BD0B8-ED9A-4089-89AC-BD7DD7BC43B5}"/>
+              </a:ext>
+            </a:extLst>
+          </p:cNvPr>
+          <p:cNvSpPr>
+            <a:spLocks noGrp="1"/>
+          </p:cNvSpPr>
+          <p:nvPr>
+            <p:ph type="dt" sz="half" idx="10"/>
+          </p:nvPr>
+        </p:nvSpPr>
+        <p:spPr/>
+        <p:txBody>
+          <a:bodyPr/>
+          <a:lstStyle/>
+          <a:p>
+            <a:fld id="{0AA82046-C490-4F83-A32B-AE852D47094C}" type="datetimeFigureOut">
               <a:rPr lang="ko-KR" altLang="en-US" smtClean="0"/>
-              <a:t>마스터 텍스트 스타일 편집</a:t>
-            </a:r>
-          </a:p>
-          <a:p>
-            <a:pPr lvl="1"/>
-            <a:r>
-              <a:rPr lang="ko-KR" altLang="en-US" smtClean="0"/>
-              <a:t>둘째 수준</a:t>
-            </a:r>
-          </a:p>
-          <a:p>
-            <a:pPr lvl="2"/>
-            <a:r>
-              <a:rPr lang="ko-KR" altLang="en-US" smtClean="0"/>
-              <a:t>셋째 수준</a:t>
-            </a:r>
-          </a:p>
-          <a:p>
-            <a:pPr lvl="3"/>
-            <a:r>
-              <a:rPr lang="ko-KR" altLang="en-US" smtClean="0"/>
-              <a:t>넷째 수준</a:t>
-            </a:r>
-          </a:p>
-          <a:p>
-            <a:pPr lvl="4"/>
-            <a:r>
-              <a:rPr lang="ko-KR" altLang="en-US" smtClean="0"/>
-              <a:t>다섯째 수준</a:t>
-            </a:r>
-            <a:endParaRPr lang="ko-KR" altLang="en-US"/>
-          </a:p>
-        </p:txBody>
-      </p:sp>
-      <p:sp>
-        <p:nvSpPr>
-          <p:cNvPr id="4" name="날짜 개체 틀 3"/>
-          <p:cNvSpPr>
-            <a:spLocks noGrp="1"/>
-          </p:cNvSpPr>
-          <p:nvPr>
-            <p:ph type="dt" sz="half" idx="10"/>
-          </p:nvPr>
-        </p:nvSpPr>
-        <p:spPr/>
-        <p:txBody>
-          <a:bodyPr/>
-          <a:lstStyle/>
-          <a:p>
-            <a:fld id="{CCC634C4-C2FC-4E9A-AAA7-9E2D24F0F4FC}" type="datetimeFigureOut">
-              <a:rPr lang="ko-KR" altLang="en-US" smtClean="0"/>
-              <a:t>2024-06-04</a:t>
+              <a:t>2024-06-12</a:t>
             </a:fld>
             <a:endParaRPr lang="ko-KR" altLang="en-US"/>
           </a:p>
@@ -596,7 +668,13 @@
       </p:sp>
       <p:sp>
         <p:nvSpPr>
-          <p:cNvPr id="5" name="바닥글 개체 틀 4"/>
+          <p:cNvPr id="5" name="바닥글 개체 틀 4">
+            <a:extLst>
+              <a:ext uri="{FF2B5EF4-FFF2-40B4-BE49-F238E27FC236}">
+                <a16:creationId xmlns:a16="http://schemas.microsoft.com/office/drawing/2014/main" id="{7C409D91-A86D-4DDE-9881-753C546CA42B}"/>
+              </a:ext>
+            </a:extLst>
+          </p:cNvPr>
           <p:cNvSpPr>
             <a:spLocks noGrp="1"/>
           </p:cNvSpPr>
@@ -615,7 +693,13 @@
       </p:sp>
       <p:sp>
         <p:nvSpPr>
-          <p:cNvPr id="6" name="슬라이드 번호 개체 틀 5"/>
+          <p:cNvPr id="6" name="슬라이드 번호 개체 틀 5">
+            <a:extLst>
+              <a:ext uri="{FF2B5EF4-FFF2-40B4-BE49-F238E27FC236}">
+                <a16:creationId xmlns:a16="http://schemas.microsoft.com/office/drawing/2014/main" id="{462F9E95-4FA7-46A3-9BA2-C22051CB6306}"/>
+              </a:ext>
+            </a:extLst>
+          </p:cNvPr>
           <p:cNvSpPr>
             <a:spLocks noGrp="1"/>
           </p:cNvSpPr>
@@ -628,7 +712,7 @@
           <a:bodyPr/>
           <a:lstStyle/>
           <a:p>
-            <a:fld id="{3D84AFC1-1904-48EB-8B09-EBD0EA3A0F3E}" type="slidenum">
+            <a:fld id="{6F733374-783B-4BE3-957A-35CA394D5AD6}" type="slidenum">
               <a:rPr lang="ko-KR" altLang="en-US" smtClean="0"/>
               <a:t>‹#›</a:t>
             </a:fld>
@@ -639,7 +723,7 @@
     </p:spTree>
     <p:extLst>
       <p:ext uri="{BB962C8B-B14F-4D97-AF65-F5344CB8AC3E}">
-        <p14:creationId xmlns:p14="http://schemas.microsoft.com/office/powerpoint/2010/main" val="4260035218"/>
+        <p14:creationId xmlns:p14="http://schemas.microsoft.com/office/powerpoint/2010/main" val="2572375774"/>
       </p:ext>
     </p:extLst>
   </p:cSld>
@@ -668,7 +752,13 @@
       </p:grpSpPr>
       <p:sp>
         <p:nvSpPr>
-          <p:cNvPr id="2" name="제목 1"/>
+          <p:cNvPr id="2" name="제목 1">
+            <a:extLst>
+              <a:ext uri="{FF2B5EF4-FFF2-40B4-BE49-F238E27FC236}">
+                <a16:creationId xmlns:a16="http://schemas.microsoft.com/office/drawing/2014/main" id="{56EBC88C-B9D7-4EF1-BCC6-F4BFDA73B85B}"/>
+              </a:ext>
+            </a:extLst>
+          </p:cNvPr>
           <p:cNvSpPr>
             <a:spLocks noGrp="1"/>
           </p:cNvSpPr>
@@ -682,83 +772,93 @@
           <a:lstStyle/>
           <a:p>
             <a:r>
+              <a:rPr lang="ko-KR" altLang="en-US"/>
+              <a:t>마스터 제목 스타일 편집</a:t>
+            </a:r>
+          </a:p>
+        </p:txBody>
+      </p:sp>
+      <p:sp>
+        <p:nvSpPr>
+          <p:cNvPr id="3" name="내용 개체 틀 2">
+            <a:extLst>
+              <a:ext uri="{FF2B5EF4-FFF2-40B4-BE49-F238E27FC236}">
+                <a16:creationId xmlns:a16="http://schemas.microsoft.com/office/drawing/2014/main" id="{A7E8B28E-67D4-4D32-98E5-39251608CED0}"/>
+              </a:ext>
+            </a:extLst>
+          </p:cNvPr>
+          <p:cNvSpPr>
+            <a:spLocks noGrp="1"/>
+          </p:cNvSpPr>
+          <p:nvPr>
+            <p:ph idx="1"/>
+          </p:nvPr>
+        </p:nvSpPr>
+        <p:spPr/>
+        <p:txBody>
+          <a:bodyPr/>
+          <a:lstStyle/>
+          <a:p>
+            <a:pPr lvl="0"/>
+            <a:r>
+              <a:rPr lang="ko-KR" altLang="en-US"/>
+              <a:t>마스터 텍스트 스타일을 편집하려면 클릭</a:t>
+            </a:r>
+          </a:p>
+          <a:p>
+            <a:pPr lvl="1"/>
+            <a:r>
+              <a:rPr lang="ko-KR" altLang="en-US"/>
+              <a:t>두 번째 수준</a:t>
+            </a:r>
+          </a:p>
+          <a:p>
+            <a:pPr lvl="2"/>
+            <a:r>
+              <a:rPr lang="ko-KR" altLang="en-US"/>
+              <a:t>세 번째 수준</a:t>
+            </a:r>
+          </a:p>
+          <a:p>
+            <a:pPr lvl="3"/>
+            <a:r>
+              <a:rPr lang="ko-KR" altLang="en-US"/>
+              <a:t>네 번째 수준</a:t>
+            </a:r>
+          </a:p>
+          <a:p>
+            <a:pPr lvl="4"/>
+            <a:r>
+              <a:rPr lang="ko-KR" altLang="en-US"/>
+              <a:t>다섯 번째 수준</a:t>
+            </a:r>
+          </a:p>
+        </p:txBody>
+      </p:sp>
+      <p:sp>
+        <p:nvSpPr>
+          <p:cNvPr id="4" name="날짜 개체 틀 3">
+            <a:extLst>
+              <a:ext uri="{FF2B5EF4-FFF2-40B4-BE49-F238E27FC236}">
+                <a16:creationId xmlns:a16="http://schemas.microsoft.com/office/drawing/2014/main" id="{B204679A-5870-4AB0-89DF-42AC840DACDC}"/>
+              </a:ext>
+            </a:extLst>
+          </p:cNvPr>
+          <p:cNvSpPr>
+            <a:spLocks noGrp="1"/>
+          </p:cNvSpPr>
+          <p:nvPr>
+            <p:ph type="dt" sz="half" idx="10"/>
+          </p:nvPr>
+        </p:nvSpPr>
+        <p:spPr/>
+        <p:txBody>
+          <a:bodyPr/>
+          <a:lstStyle/>
+          <a:p>
+            <a:fld id="{0AA82046-C490-4F83-A32B-AE852D47094C}" type="datetimeFigureOut">
               <a:rPr lang="ko-KR" altLang="en-US" smtClean="0"/>
-              <a:t>마스터 제목 스타일 편집</a:t>
-            </a:r>
-            <a:endParaRPr lang="ko-KR" altLang="en-US"/>
-          </a:p>
-        </p:txBody>
-      </p:sp>
-      <p:sp>
-        <p:nvSpPr>
-          <p:cNvPr id="3" name="내용 개체 틀 2"/>
-          <p:cNvSpPr>
-            <a:spLocks noGrp="1"/>
-          </p:cNvSpPr>
-          <p:nvPr>
-            <p:ph idx="1"/>
-          </p:nvPr>
-        </p:nvSpPr>
-        <p:spPr/>
-        <p:txBody>
-          <a:bodyPr/>
-          <a:lstStyle/>
-          <a:p>
-            <a:pPr lvl="0"/>
-            <a:r>
-              <a:rPr lang="ko-KR" altLang="en-US" smtClean="0"/>
-              <a:t>마스터 텍스트 스타일 편집</a:t>
-            </a:r>
-          </a:p>
-          <a:p>
-            <a:pPr lvl="1"/>
-            <a:r>
-              <a:rPr lang="ko-KR" altLang="en-US" smtClean="0"/>
-              <a:t>둘째 수준</a:t>
-            </a:r>
-          </a:p>
-          <a:p>
-            <a:pPr lvl="2"/>
-            <a:r>
-              <a:rPr lang="ko-KR" altLang="en-US" smtClean="0"/>
-              <a:t>셋째 수준</a:t>
-            </a:r>
-          </a:p>
-          <a:p>
-            <a:pPr lvl="3"/>
-            <a:r>
-              <a:rPr lang="ko-KR" altLang="en-US" smtClean="0"/>
-              <a:t>넷째 수준</a:t>
-            </a:r>
-          </a:p>
-          <a:p>
-            <a:pPr lvl="4"/>
-            <a:r>
-              <a:rPr lang="ko-KR" altLang="en-US" smtClean="0"/>
-              <a:t>다섯째 수준</a:t>
-            </a:r>
-            <a:endParaRPr lang="ko-KR" altLang="en-US"/>
-          </a:p>
-        </p:txBody>
-      </p:sp>
-      <p:sp>
-        <p:nvSpPr>
-          <p:cNvPr id="4" name="날짜 개체 틀 3"/>
-          <p:cNvSpPr>
-            <a:spLocks noGrp="1"/>
-          </p:cNvSpPr>
-          <p:nvPr>
-            <p:ph type="dt" sz="half" idx="10"/>
-          </p:nvPr>
-        </p:nvSpPr>
-        <p:spPr/>
-        <p:txBody>
-          <a:bodyPr/>
-          <a:lstStyle/>
-          <a:p>
-            <a:fld id="{CCC634C4-C2FC-4E9A-AAA7-9E2D24F0F4FC}" type="datetimeFigureOut">
-              <a:rPr lang="ko-KR" altLang="en-US" smtClean="0"/>
-              <a:t>2024-06-04</a:t>
+              <a:t>2024-06-12</a:t>
             </a:fld>
             <a:endParaRPr lang="ko-KR" altLang="en-US"/>
           </a:p>
@@ -766,7 +866,13 @@
       </p:sp>
       <p:sp>
         <p:nvSpPr>
-          <p:cNvPr id="5" name="바닥글 개체 틀 4"/>
+          <p:cNvPr id="5" name="바닥글 개체 틀 4">
+            <a:extLst>
+              <a:ext uri="{FF2B5EF4-FFF2-40B4-BE49-F238E27FC236}">
+                <a16:creationId xmlns:a16="http://schemas.microsoft.com/office/drawing/2014/main" id="{5454B561-84AA-4A0A-819E-0B2FCD41C1BD}"/>
+              </a:ext>
+            </a:extLst>
+          </p:cNvPr>
           <p:cNvSpPr>
             <a:spLocks noGrp="1"/>
           </p:cNvSpPr>
@@ -785,7 +891,13 @@
       </p:sp>
       <p:sp>
         <p:nvSpPr>
-          <p:cNvPr id="6" name="슬라이드 번호 개체 틀 5"/>
+          <p:cNvPr id="6" name="슬라이드 번호 개체 틀 5">
+            <a:extLst>
+              <a:ext uri="{FF2B5EF4-FFF2-40B4-BE49-F238E27FC236}">
+                <a16:creationId xmlns:a16="http://schemas.microsoft.com/office/drawing/2014/main" id="{1D247430-DAC5-49B7-94AF-217D20935767}"/>
+              </a:ext>
+            </a:extLst>
+          </p:cNvPr>
           <p:cNvSpPr>
             <a:spLocks noGrp="1"/>
           </p:cNvSpPr>
@@ -798,7 +910,7 @@
           <a:bodyPr/>
           <a:lstStyle/>
           <a:p>
-            <a:fld id="{3D84AFC1-1904-48EB-8B09-EBD0EA3A0F3E}" type="slidenum">
+            <a:fld id="{6F733374-783B-4BE3-957A-35CA394D5AD6}" type="slidenum">
               <a:rPr lang="ko-KR" altLang="en-US" smtClean="0"/>
               <a:t>‹#›</a:t>
             </a:fld>
@@ -809,7 +921,7 @@
     </p:spTree>
     <p:extLst>
       <p:ext uri="{BB962C8B-B14F-4D97-AF65-F5344CB8AC3E}">
-        <p14:creationId xmlns:p14="http://schemas.microsoft.com/office/powerpoint/2010/main" val="3721240986"/>
+        <p14:creationId xmlns:p14="http://schemas.microsoft.com/office/powerpoint/2010/main" val="2841408896"/>
       </p:ext>
     </p:extLst>
   </p:cSld>
@@ -838,7 +950,13 @@
       </p:grpSpPr>
       <p:sp>
         <p:nvSpPr>
-          <p:cNvPr id="2" name="제목 1"/>
+          <p:cNvPr id="2" name="제목 1">
+            <a:extLst>
+              <a:ext uri="{FF2B5EF4-FFF2-40B4-BE49-F238E27FC236}">
+                <a16:creationId xmlns:a16="http://schemas.microsoft.com/office/drawing/2014/main" id="{312C6763-23B8-480D-9E12-0E2FE25E8421}"/>
+              </a:ext>
+            </a:extLst>
+          </p:cNvPr>
           <p:cNvSpPr>
             <a:spLocks noGrp="1"/>
           </p:cNvSpPr>
@@ -861,16 +979,21 @@
           </a:lstStyle>
           <a:p>
             <a:r>
-              <a:rPr lang="ko-KR" altLang="en-US" smtClean="0"/>
+              <a:rPr lang="ko-KR" altLang="en-US"/>
               <a:t>마스터 제목 스타일 편집</a:t>
             </a:r>
-            <a:endParaRPr lang="ko-KR" altLang="en-US"/>
-          </a:p>
-        </p:txBody>
-      </p:sp>
-      <p:sp>
-        <p:nvSpPr>
-          <p:cNvPr id="3" name="텍스트 개체 틀 2"/>
+          </a:p>
+        </p:txBody>
+      </p:sp>
+      <p:sp>
+        <p:nvSpPr>
+          <p:cNvPr id="3" name="텍스트 개체 틀 2">
+            <a:extLst>
+              <a:ext uri="{FF2B5EF4-FFF2-40B4-BE49-F238E27FC236}">
+                <a16:creationId xmlns:a16="http://schemas.microsoft.com/office/drawing/2014/main" id="{0AD8A12F-2DBB-44CC-B3E0-311B2E2E4903}"/>
+              </a:ext>
+            </a:extLst>
+          </p:cNvPr>
           <p:cNvSpPr>
             <a:spLocks noGrp="1"/>
           </p:cNvSpPr>
@@ -981,30 +1104,36 @@
           <a:p>
             <a:pPr lvl="0"/>
             <a:r>
+              <a:rPr lang="ko-KR" altLang="en-US"/>
+              <a:t>마스터 텍스트 스타일을 편집하려면 클릭</a:t>
+            </a:r>
+          </a:p>
+        </p:txBody>
+      </p:sp>
+      <p:sp>
+        <p:nvSpPr>
+          <p:cNvPr id="4" name="날짜 개체 틀 3">
+            <a:extLst>
+              <a:ext uri="{FF2B5EF4-FFF2-40B4-BE49-F238E27FC236}">
+                <a16:creationId xmlns:a16="http://schemas.microsoft.com/office/drawing/2014/main" id="{D541B30E-3D79-42FD-A2C4-AC792359DD94}"/>
+              </a:ext>
+            </a:extLst>
+          </p:cNvPr>
+          <p:cNvSpPr>
+            <a:spLocks noGrp="1"/>
+          </p:cNvSpPr>
+          <p:nvPr>
+            <p:ph type="dt" sz="half" idx="10"/>
+          </p:nvPr>
+        </p:nvSpPr>
+        <p:spPr/>
+        <p:txBody>
+          <a:bodyPr/>
+          <a:lstStyle/>
+          <a:p>
+            <a:fld id="{0AA82046-C490-4F83-A32B-AE852D47094C}" type="datetimeFigureOut">
               <a:rPr lang="ko-KR" altLang="en-US" smtClean="0"/>
-              <a:t>마스터 텍스트 스타일 편집</a:t>
-            </a:r>
-          </a:p>
-        </p:txBody>
-      </p:sp>
-      <p:sp>
-        <p:nvSpPr>
-          <p:cNvPr id="4" name="날짜 개체 틀 3"/>
-          <p:cNvSpPr>
-            <a:spLocks noGrp="1"/>
-          </p:cNvSpPr>
-          <p:nvPr>
-            <p:ph type="dt" sz="half" idx="10"/>
-          </p:nvPr>
-        </p:nvSpPr>
-        <p:spPr/>
-        <p:txBody>
-          <a:bodyPr/>
-          <a:lstStyle/>
-          <a:p>
-            <a:fld id="{CCC634C4-C2FC-4E9A-AAA7-9E2D24F0F4FC}" type="datetimeFigureOut">
-              <a:rPr lang="ko-KR" altLang="en-US" smtClean="0"/>
-              <a:t>2024-06-04</a:t>
+              <a:t>2024-06-12</a:t>
             </a:fld>
             <a:endParaRPr lang="ko-KR" altLang="en-US"/>
           </a:p>
@@ -1012,7 +1141,13 @@
       </p:sp>
       <p:sp>
         <p:nvSpPr>
-          <p:cNvPr id="5" name="바닥글 개체 틀 4"/>
+          <p:cNvPr id="5" name="바닥글 개체 틀 4">
+            <a:extLst>
+              <a:ext uri="{FF2B5EF4-FFF2-40B4-BE49-F238E27FC236}">
+                <a16:creationId xmlns:a16="http://schemas.microsoft.com/office/drawing/2014/main" id="{315FBD11-BB21-40E0-B9E0-2365B2997F8B}"/>
+              </a:ext>
+            </a:extLst>
+          </p:cNvPr>
           <p:cNvSpPr>
             <a:spLocks noGrp="1"/>
           </p:cNvSpPr>
@@ -1031,7 +1166,13 @@
       </p:sp>
       <p:sp>
         <p:nvSpPr>
-          <p:cNvPr id="6" name="슬라이드 번호 개체 틀 5"/>
+          <p:cNvPr id="6" name="슬라이드 번호 개체 틀 5">
+            <a:extLst>
+              <a:ext uri="{FF2B5EF4-FFF2-40B4-BE49-F238E27FC236}">
+                <a16:creationId xmlns:a16="http://schemas.microsoft.com/office/drawing/2014/main" id="{AC05F358-D6CE-4D11-BF50-B4AE64156DAC}"/>
+              </a:ext>
+            </a:extLst>
+          </p:cNvPr>
           <p:cNvSpPr>
             <a:spLocks noGrp="1"/>
           </p:cNvSpPr>
@@ -1044,7 +1185,7 @@
           <a:bodyPr/>
           <a:lstStyle/>
           <a:p>
-            <a:fld id="{3D84AFC1-1904-48EB-8B09-EBD0EA3A0F3E}" type="slidenum">
+            <a:fld id="{6F733374-783B-4BE3-957A-35CA394D5AD6}" type="slidenum">
               <a:rPr lang="ko-KR" altLang="en-US" smtClean="0"/>
               <a:t>‹#›</a:t>
             </a:fld>
@@ -1055,7 +1196,7 @@
     </p:spTree>
     <p:extLst>
       <p:ext uri="{BB962C8B-B14F-4D97-AF65-F5344CB8AC3E}">
-        <p14:creationId xmlns:p14="http://schemas.microsoft.com/office/powerpoint/2010/main" val="886217224"/>
+        <p14:creationId xmlns:p14="http://schemas.microsoft.com/office/powerpoint/2010/main" val="2572878985"/>
       </p:ext>
     </p:extLst>
   </p:cSld>
@@ -1084,7 +1225,13 @@
       </p:grpSpPr>
       <p:sp>
         <p:nvSpPr>
-          <p:cNvPr id="2" name="제목 1"/>
+          <p:cNvPr id="2" name="제목 1">
+            <a:extLst>
+              <a:ext uri="{FF2B5EF4-FFF2-40B4-BE49-F238E27FC236}">
+                <a16:creationId xmlns:a16="http://schemas.microsoft.com/office/drawing/2014/main" id="{2B639A12-7BA8-4965-927E-389EDAC8112D}"/>
+              </a:ext>
+            </a:extLst>
+          </p:cNvPr>
           <p:cNvSpPr>
             <a:spLocks noGrp="1"/>
           </p:cNvSpPr>
@@ -1098,16 +1245,21 @@
           <a:lstStyle/>
           <a:p>
             <a:r>
-              <a:rPr lang="ko-KR" altLang="en-US" smtClean="0"/>
+              <a:rPr lang="ko-KR" altLang="en-US"/>
               <a:t>마스터 제목 스타일 편집</a:t>
             </a:r>
-            <a:endParaRPr lang="ko-KR" altLang="en-US"/>
-          </a:p>
-        </p:txBody>
-      </p:sp>
-      <p:sp>
-        <p:nvSpPr>
-          <p:cNvPr id="3" name="내용 개체 틀 2"/>
+          </a:p>
+        </p:txBody>
+      </p:sp>
+      <p:sp>
+        <p:nvSpPr>
+          <p:cNvPr id="3" name="내용 개체 틀 2">
+            <a:extLst>
+              <a:ext uri="{FF2B5EF4-FFF2-40B4-BE49-F238E27FC236}">
+                <a16:creationId xmlns:a16="http://schemas.microsoft.com/office/drawing/2014/main" id="{3839775B-3E9D-45CA-AC93-4195A79E921F}"/>
+              </a:ext>
+            </a:extLst>
+          </p:cNvPr>
           <p:cNvSpPr>
             <a:spLocks noGrp="1"/>
           </p:cNvSpPr>
@@ -1127,44 +1279,49 @@
           <a:p>
             <a:pPr lvl="0"/>
             <a:r>
-              <a:rPr lang="ko-KR" altLang="en-US" smtClean="0"/>
-              <a:t>마스터 텍스트 스타일 편집</a:t>
+              <a:rPr lang="ko-KR" altLang="en-US"/>
+              <a:t>마스터 텍스트 스타일을 편집하려면 클릭</a:t>
             </a:r>
           </a:p>
           <a:p>
             <a:pPr lvl="1"/>
             <a:r>
-              <a:rPr lang="ko-KR" altLang="en-US" smtClean="0"/>
-              <a:t>둘째 수준</a:t>
+              <a:rPr lang="ko-KR" altLang="en-US"/>
+              <a:t>두 번째 수준</a:t>
             </a:r>
           </a:p>
           <a:p>
             <a:pPr lvl="2"/>
             <a:r>
-              <a:rPr lang="ko-KR" altLang="en-US" smtClean="0"/>
-              <a:t>셋째 수준</a:t>
+              <a:rPr lang="ko-KR" altLang="en-US"/>
+              <a:t>세 번째 수준</a:t>
             </a:r>
           </a:p>
           <a:p>
             <a:pPr lvl="3"/>
             <a:r>
-              <a:rPr lang="ko-KR" altLang="en-US" smtClean="0"/>
-              <a:t>넷째 수준</a:t>
+              <a:rPr lang="ko-KR" altLang="en-US"/>
+              <a:t>네 번째 수준</a:t>
             </a:r>
           </a:p>
           <a:p>
             <a:pPr lvl="4"/>
             <a:r>
-              <a:rPr lang="ko-KR" altLang="en-US" smtClean="0"/>
-              <a:t>다섯째 수준</a:t>
-            </a:r>
-            <a:endParaRPr lang="ko-KR" altLang="en-US"/>
-          </a:p>
-        </p:txBody>
-      </p:sp>
-      <p:sp>
-        <p:nvSpPr>
-          <p:cNvPr id="4" name="내용 개체 틀 3"/>
+              <a:rPr lang="ko-KR" altLang="en-US"/>
+              <a:t>다섯 번째 수준</a:t>
+            </a:r>
+          </a:p>
+        </p:txBody>
+      </p:sp>
+      <p:sp>
+        <p:nvSpPr>
+          <p:cNvPr id="4" name="내용 개체 틀 3">
+            <a:extLst>
+              <a:ext uri="{FF2B5EF4-FFF2-40B4-BE49-F238E27FC236}">
+                <a16:creationId xmlns:a16="http://schemas.microsoft.com/office/drawing/2014/main" id="{3539B72C-DE6C-43A0-86BB-F3A742860558}"/>
+              </a:ext>
+            </a:extLst>
+          </p:cNvPr>
           <p:cNvSpPr>
             <a:spLocks noGrp="1"/>
           </p:cNvSpPr>
@@ -1184,59 +1341,64 @@
           <a:p>
             <a:pPr lvl="0"/>
             <a:r>
+              <a:rPr lang="ko-KR" altLang="en-US"/>
+              <a:t>마스터 텍스트 스타일을 편집하려면 클릭</a:t>
+            </a:r>
+          </a:p>
+          <a:p>
+            <a:pPr lvl="1"/>
+            <a:r>
+              <a:rPr lang="ko-KR" altLang="en-US"/>
+              <a:t>두 번째 수준</a:t>
+            </a:r>
+          </a:p>
+          <a:p>
+            <a:pPr lvl="2"/>
+            <a:r>
+              <a:rPr lang="ko-KR" altLang="en-US"/>
+              <a:t>세 번째 수준</a:t>
+            </a:r>
+          </a:p>
+          <a:p>
+            <a:pPr lvl="3"/>
+            <a:r>
+              <a:rPr lang="ko-KR" altLang="en-US"/>
+              <a:t>네 번째 수준</a:t>
+            </a:r>
+          </a:p>
+          <a:p>
+            <a:pPr lvl="4"/>
+            <a:r>
+              <a:rPr lang="ko-KR" altLang="en-US"/>
+              <a:t>다섯 번째 수준</a:t>
+            </a:r>
+          </a:p>
+        </p:txBody>
+      </p:sp>
+      <p:sp>
+        <p:nvSpPr>
+          <p:cNvPr id="5" name="날짜 개체 틀 4">
+            <a:extLst>
+              <a:ext uri="{FF2B5EF4-FFF2-40B4-BE49-F238E27FC236}">
+                <a16:creationId xmlns:a16="http://schemas.microsoft.com/office/drawing/2014/main" id="{03CDCDD7-593E-4685-92FB-0E1BB0232429}"/>
+              </a:ext>
+            </a:extLst>
+          </p:cNvPr>
+          <p:cNvSpPr>
+            <a:spLocks noGrp="1"/>
+          </p:cNvSpPr>
+          <p:nvPr>
+            <p:ph type="dt" sz="half" idx="10"/>
+          </p:nvPr>
+        </p:nvSpPr>
+        <p:spPr/>
+        <p:txBody>
+          <a:bodyPr/>
+          <a:lstStyle/>
+          <a:p>
+            <a:fld id="{0AA82046-C490-4F83-A32B-AE852D47094C}" type="datetimeFigureOut">
               <a:rPr lang="ko-KR" altLang="en-US" smtClean="0"/>
-              <a:t>마스터 텍스트 스타일 편집</a:t>
-            </a:r>
-          </a:p>
-          <a:p>
-            <a:pPr lvl="1"/>
-            <a:r>
-              <a:rPr lang="ko-KR" altLang="en-US" smtClean="0"/>
-              <a:t>둘째 수준</a:t>
-            </a:r>
-          </a:p>
-          <a:p>
-            <a:pPr lvl="2"/>
-            <a:r>
-              <a:rPr lang="ko-KR" altLang="en-US" smtClean="0"/>
-              <a:t>셋째 수준</a:t>
-            </a:r>
-          </a:p>
-          <a:p>
-            <a:pPr lvl="3"/>
-            <a:r>
-              <a:rPr lang="ko-KR" altLang="en-US" smtClean="0"/>
-              <a:t>넷째 수준</a:t>
-            </a:r>
-          </a:p>
-          <a:p>
-            <a:pPr lvl="4"/>
-            <a:r>
-              <a:rPr lang="ko-KR" altLang="en-US" smtClean="0"/>
-              <a:t>다섯째 수준</a:t>
-            </a:r>
-            <a:endParaRPr lang="ko-KR" altLang="en-US"/>
-          </a:p>
-        </p:txBody>
-      </p:sp>
-      <p:sp>
-        <p:nvSpPr>
-          <p:cNvPr id="5" name="날짜 개체 틀 4"/>
-          <p:cNvSpPr>
-            <a:spLocks noGrp="1"/>
-          </p:cNvSpPr>
-          <p:nvPr>
-            <p:ph type="dt" sz="half" idx="10"/>
-          </p:nvPr>
-        </p:nvSpPr>
-        <p:spPr/>
-        <p:txBody>
-          <a:bodyPr/>
-          <a:lstStyle/>
-          <a:p>
-            <a:fld id="{CCC634C4-C2FC-4E9A-AAA7-9E2D24F0F4FC}" type="datetimeFigureOut">
-              <a:rPr lang="ko-KR" altLang="en-US" smtClean="0"/>
-              <a:t>2024-06-04</a:t>
+              <a:t>2024-06-12</a:t>
             </a:fld>
             <a:endParaRPr lang="ko-KR" altLang="en-US"/>
           </a:p>
@@ -1244,7 +1406,13 @@
       </p:sp>
       <p:sp>
         <p:nvSpPr>
-          <p:cNvPr id="6" name="바닥글 개체 틀 5"/>
+          <p:cNvPr id="6" name="바닥글 개체 틀 5">
+            <a:extLst>
+              <a:ext uri="{FF2B5EF4-FFF2-40B4-BE49-F238E27FC236}">
+                <a16:creationId xmlns:a16="http://schemas.microsoft.com/office/drawing/2014/main" id="{00A09021-A0BA-46CD-8E22-D5ED2F02E78E}"/>
+              </a:ext>
+            </a:extLst>
+          </p:cNvPr>
           <p:cNvSpPr>
             <a:spLocks noGrp="1"/>
           </p:cNvSpPr>
@@ -1263,7 +1431,13 @@
       </p:sp>
       <p:sp>
         <p:nvSpPr>
-          <p:cNvPr id="7" name="슬라이드 번호 개체 틀 6"/>
+          <p:cNvPr id="7" name="슬라이드 번호 개체 틀 6">
+            <a:extLst>
+              <a:ext uri="{FF2B5EF4-FFF2-40B4-BE49-F238E27FC236}">
+                <a16:creationId xmlns:a16="http://schemas.microsoft.com/office/drawing/2014/main" id="{E8221FED-6C78-4AC3-9339-CF976160ACA7}"/>
+              </a:ext>
+            </a:extLst>
+          </p:cNvPr>
           <p:cNvSpPr>
             <a:spLocks noGrp="1"/>
           </p:cNvSpPr>
@@ -1276,7 +1450,7 @@
           <a:bodyPr/>
           <a:lstStyle/>
           <a:p>
-            <a:fld id="{3D84AFC1-1904-48EB-8B09-EBD0EA3A0F3E}" type="slidenum">
+            <a:fld id="{6F733374-783B-4BE3-957A-35CA394D5AD6}" type="slidenum">
               <a:rPr lang="ko-KR" altLang="en-US" smtClean="0"/>
               <a:t>‹#›</a:t>
             </a:fld>
@@ -1287,7 +1461,7 @@
     </p:spTree>
     <p:extLst>
       <p:ext uri="{BB962C8B-B14F-4D97-AF65-F5344CB8AC3E}">
-        <p14:creationId xmlns:p14="http://schemas.microsoft.com/office/powerpoint/2010/main" val="2850996898"/>
+        <p14:creationId xmlns:p14="http://schemas.microsoft.com/office/powerpoint/2010/main" val="2664682083"/>
       </p:ext>
     </p:extLst>
   </p:cSld>
@@ -1316,7 +1490,13 @@
       </p:grpSpPr>
       <p:sp>
         <p:nvSpPr>
-          <p:cNvPr id="2" name="제목 1"/>
+          <p:cNvPr id="2" name="제목 1">
+            <a:extLst>
+              <a:ext uri="{FF2B5EF4-FFF2-40B4-BE49-F238E27FC236}">
+                <a16:creationId xmlns:a16="http://schemas.microsoft.com/office/drawing/2014/main" id="{10F76788-7E2B-4DB9-9A0B-11A7B1252CEE}"/>
+              </a:ext>
+            </a:extLst>
+          </p:cNvPr>
           <p:cNvSpPr>
             <a:spLocks noGrp="1"/>
           </p:cNvSpPr>
@@ -1335,16 +1515,21 @@
           <a:lstStyle/>
           <a:p>
             <a:r>
-              <a:rPr lang="ko-KR" altLang="en-US" smtClean="0"/>
+              <a:rPr lang="ko-KR" altLang="en-US"/>
               <a:t>마스터 제목 스타일 편집</a:t>
             </a:r>
-            <a:endParaRPr lang="ko-KR" altLang="en-US"/>
-          </a:p>
-        </p:txBody>
-      </p:sp>
-      <p:sp>
-        <p:nvSpPr>
-          <p:cNvPr id="3" name="텍스트 개체 틀 2"/>
+          </a:p>
+        </p:txBody>
+      </p:sp>
+      <p:sp>
+        <p:nvSpPr>
+          <p:cNvPr id="3" name="텍스트 개체 틀 2">
+            <a:extLst>
+              <a:ext uri="{FF2B5EF4-FFF2-40B4-BE49-F238E27FC236}">
+                <a16:creationId xmlns:a16="http://schemas.microsoft.com/office/drawing/2014/main" id="{81EEDDE8-00C7-4D3E-8AC5-5ACC40C22034}"/>
+              </a:ext>
+            </a:extLst>
+          </p:cNvPr>
           <p:cNvSpPr>
             <a:spLocks noGrp="1"/>
           </p:cNvSpPr>
@@ -1401,15 +1586,21 @@
           <a:p>
             <a:pPr lvl="0"/>
             <a:r>
-              <a:rPr lang="ko-KR" altLang="en-US" smtClean="0"/>
-              <a:t>마스터 텍스트 스타일 편집</a:t>
-            </a:r>
-          </a:p>
-        </p:txBody>
-      </p:sp>
-      <p:sp>
-        <p:nvSpPr>
-          <p:cNvPr id="4" name="내용 개체 틀 3"/>
+              <a:rPr lang="ko-KR" altLang="en-US"/>
+              <a:t>마스터 텍스트 스타일을 편집하려면 클릭</a:t>
+            </a:r>
+          </a:p>
+        </p:txBody>
+      </p:sp>
+      <p:sp>
+        <p:nvSpPr>
+          <p:cNvPr id="4" name="내용 개체 틀 3">
+            <a:extLst>
+              <a:ext uri="{FF2B5EF4-FFF2-40B4-BE49-F238E27FC236}">
+                <a16:creationId xmlns:a16="http://schemas.microsoft.com/office/drawing/2014/main" id="{E885842F-9683-4029-A439-69D6D0715934}"/>
+              </a:ext>
+            </a:extLst>
+          </p:cNvPr>
           <p:cNvSpPr>
             <a:spLocks noGrp="1"/>
           </p:cNvSpPr>
@@ -1429,44 +1620,49 @@
           <a:p>
             <a:pPr lvl="0"/>
             <a:r>
-              <a:rPr lang="ko-KR" altLang="en-US" smtClean="0"/>
-              <a:t>마스터 텍스트 스타일 편집</a:t>
+              <a:rPr lang="ko-KR" altLang="en-US"/>
+              <a:t>마스터 텍스트 스타일을 편집하려면 클릭</a:t>
             </a:r>
           </a:p>
           <a:p>
             <a:pPr lvl="1"/>
             <a:r>
-              <a:rPr lang="ko-KR" altLang="en-US" smtClean="0"/>
-              <a:t>둘째 수준</a:t>
+              <a:rPr lang="ko-KR" altLang="en-US"/>
+              <a:t>두 번째 수준</a:t>
             </a:r>
           </a:p>
           <a:p>
             <a:pPr lvl="2"/>
             <a:r>
-              <a:rPr lang="ko-KR" altLang="en-US" smtClean="0"/>
-              <a:t>셋째 수준</a:t>
+              <a:rPr lang="ko-KR" altLang="en-US"/>
+              <a:t>세 번째 수준</a:t>
             </a:r>
           </a:p>
           <a:p>
             <a:pPr lvl="3"/>
             <a:r>
-              <a:rPr lang="ko-KR" altLang="en-US" smtClean="0"/>
-              <a:t>넷째 수준</a:t>
+              <a:rPr lang="ko-KR" altLang="en-US"/>
+              <a:t>네 번째 수준</a:t>
             </a:r>
           </a:p>
           <a:p>
             <a:pPr lvl="4"/>
             <a:r>
-              <a:rPr lang="ko-KR" altLang="en-US" smtClean="0"/>
-              <a:t>다섯째 수준</a:t>
-            </a:r>
-            <a:endParaRPr lang="ko-KR" altLang="en-US"/>
-          </a:p>
-        </p:txBody>
-      </p:sp>
-      <p:sp>
-        <p:nvSpPr>
-          <p:cNvPr id="5" name="텍스트 개체 틀 4"/>
+              <a:rPr lang="ko-KR" altLang="en-US"/>
+              <a:t>다섯 번째 수준</a:t>
+            </a:r>
+          </a:p>
+        </p:txBody>
+      </p:sp>
+      <p:sp>
+        <p:nvSpPr>
+          <p:cNvPr id="5" name="텍스트 개체 틀 4">
+            <a:extLst>
+              <a:ext uri="{FF2B5EF4-FFF2-40B4-BE49-F238E27FC236}">
+                <a16:creationId xmlns:a16="http://schemas.microsoft.com/office/drawing/2014/main" id="{3947B5E1-0348-4E27-B665-F3140F9FB22D}"/>
+              </a:ext>
+            </a:extLst>
+          </p:cNvPr>
           <p:cNvSpPr>
             <a:spLocks noGrp="1"/>
           </p:cNvSpPr>
@@ -1523,15 +1719,21 @@
           <a:p>
             <a:pPr lvl="0"/>
             <a:r>
-              <a:rPr lang="ko-KR" altLang="en-US" smtClean="0"/>
-              <a:t>마스터 텍스트 스타일 편집</a:t>
-            </a:r>
-          </a:p>
-        </p:txBody>
-      </p:sp>
-      <p:sp>
-        <p:nvSpPr>
-          <p:cNvPr id="6" name="내용 개체 틀 5"/>
+              <a:rPr lang="ko-KR" altLang="en-US"/>
+              <a:t>마스터 텍스트 스타일을 편집하려면 클릭</a:t>
+            </a:r>
+          </a:p>
+        </p:txBody>
+      </p:sp>
+      <p:sp>
+        <p:nvSpPr>
+          <p:cNvPr id="6" name="내용 개체 틀 5">
+            <a:extLst>
+              <a:ext uri="{FF2B5EF4-FFF2-40B4-BE49-F238E27FC236}">
+                <a16:creationId xmlns:a16="http://schemas.microsoft.com/office/drawing/2014/main" id="{B14F6879-EFE7-408C-868E-48DFC3524950}"/>
+              </a:ext>
+            </a:extLst>
+          </p:cNvPr>
           <p:cNvSpPr>
             <a:spLocks noGrp="1"/>
           </p:cNvSpPr>
@@ -1551,59 +1753,64 @@
           <a:p>
             <a:pPr lvl="0"/>
             <a:r>
+              <a:rPr lang="ko-KR" altLang="en-US"/>
+              <a:t>마스터 텍스트 스타일을 편집하려면 클릭</a:t>
+            </a:r>
+          </a:p>
+          <a:p>
+            <a:pPr lvl="1"/>
+            <a:r>
+              <a:rPr lang="ko-KR" altLang="en-US"/>
+              <a:t>두 번째 수준</a:t>
+            </a:r>
+          </a:p>
+          <a:p>
+            <a:pPr lvl="2"/>
+            <a:r>
+              <a:rPr lang="ko-KR" altLang="en-US"/>
+              <a:t>세 번째 수준</a:t>
+            </a:r>
+          </a:p>
+          <a:p>
+            <a:pPr lvl="3"/>
+            <a:r>
+              <a:rPr lang="ko-KR" altLang="en-US"/>
+              <a:t>네 번째 수준</a:t>
+            </a:r>
+          </a:p>
+          <a:p>
+            <a:pPr lvl="4"/>
+            <a:r>
+              <a:rPr lang="ko-KR" altLang="en-US"/>
+              <a:t>다섯 번째 수준</a:t>
+            </a:r>
+          </a:p>
+        </p:txBody>
+      </p:sp>
+      <p:sp>
+        <p:nvSpPr>
+          <p:cNvPr id="7" name="날짜 개체 틀 6">
+            <a:extLst>
+              <a:ext uri="{FF2B5EF4-FFF2-40B4-BE49-F238E27FC236}">
+                <a16:creationId xmlns:a16="http://schemas.microsoft.com/office/drawing/2014/main" id="{3FBB0368-93EB-4C6A-AAC9-322157F45891}"/>
+              </a:ext>
+            </a:extLst>
+          </p:cNvPr>
+          <p:cNvSpPr>
+            <a:spLocks noGrp="1"/>
+          </p:cNvSpPr>
+          <p:nvPr>
+            <p:ph type="dt" sz="half" idx="10"/>
+          </p:nvPr>
+        </p:nvSpPr>
+        <p:spPr/>
+        <p:txBody>
+          <a:bodyPr/>
+          <a:lstStyle/>
+          <a:p>
+            <a:fld id="{0AA82046-C490-4F83-A32B-AE852D47094C}" type="datetimeFigureOut">
               <a:rPr lang="ko-KR" altLang="en-US" smtClean="0"/>
-              <a:t>마스터 텍스트 스타일 편집</a:t>
-            </a:r>
-          </a:p>
-          <a:p>
-            <a:pPr lvl="1"/>
-            <a:r>
-              <a:rPr lang="ko-KR" altLang="en-US" smtClean="0"/>
-              <a:t>둘째 수준</a:t>
-            </a:r>
-          </a:p>
-          <a:p>
-            <a:pPr lvl="2"/>
-            <a:r>
-              <a:rPr lang="ko-KR" altLang="en-US" smtClean="0"/>
-              <a:t>셋째 수준</a:t>
-            </a:r>
-          </a:p>
-          <a:p>
-            <a:pPr lvl="3"/>
-            <a:r>
-              <a:rPr lang="ko-KR" altLang="en-US" smtClean="0"/>
-              <a:t>넷째 수준</a:t>
-            </a:r>
-          </a:p>
-          <a:p>
-            <a:pPr lvl="4"/>
-            <a:r>
-              <a:rPr lang="ko-KR" altLang="en-US" smtClean="0"/>
-              <a:t>다섯째 수준</a:t>
-            </a:r>
-            <a:endParaRPr lang="ko-KR" altLang="en-US"/>
-          </a:p>
-        </p:txBody>
-      </p:sp>
-      <p:sp>
-        <p:nvSpPr>
-          <p:cNvPr id="7" name="날짜 개체 틀 6"/>
-          <p:cNvSpPr>
-            <a:spLocks noGrp="1"/>
-          </p:cNvSpPr>
-          <p:nvPr>
-            <p:ph type="dt" sz="half" idx="10"/>
-          </p:nvPr>
-        </p:nvSpPr>
-        <p:spPr/>
-        <p:txBody>
-          <a:bodyPr/>
-          <a:lstStyle/>
-          <a:p>
-            <a:fld id="{CCC634C4-C2FC-4E9A-AAA7-9E2D24F0F4FC}" type="datetimeFigureOut">
-              <a:rPr lang="ko-KR" altLang="en-US" smtClean="0"/>
-              <a:t>2024-06-04</a:t>
+              <a:t>2024-06-12</a:t>
             </a:fld>
             <a:endParaRPr lang="ko-KR" altLang="en-US"/>
           </a:p>
@@ -1611,7 +1818,13 @@
       </p:sp>
       <p:sp>
         <p:nvSpPr>
-          <p:cNvPr id="8" name="바닥글 개체 틀 7"/>
+          <p:cNvPr id="8" name="바닥글 개체 틀 7">
+            <a:extLst>
+              <a:ext uri="{FF2B5EF4-FFF2-40B4-BE49-F238E27FC236}">
+                <a16:creationId xmlns:a16="http://schemas.microsoft.com/office/drawing/2014/main" id="{C28C2B52-8726-4DE7-8708-5FBE108A8B62}"/>
+              </a:ext>
+            </a:extLst>
+          </p:cNvPr>
           <p:cNvSpPr>
             <a:spLocks noGrp="1"/>
           </p:cNvSpPr>
@@ -1630,7 +1843,13 @@
       </p:sp>
       <p:sp>
         <p:nvSpPr>
-          <p:cNvPr id="9" name="슬라이드 번호 개체 틀 8"/>
+          <p:cNvPr id="9" name="슬라이드 번호 개체 틀 8">
+            <a:extLst>
+              <a:ext uri="{FF2B5EF4-FFF2-40B4-BE49-F238E27FC236}">
+                <a16:creationId xmlns:a16="http://schemas.microsoft.com/office/drawing/2014/main" id="{81D01C79-901E-4045-B3E5-74275E578130}"/>
+              </a:ext>
+            </a:extLst>
+          </p:cNvPr>
           <p:cNvSpPr>
             <a:spLocks noGrp="1"/>
           </p:cNvSpPr>
@@ -1643,7 +1862,7 @@
           <a:bodyPr/>
           <a:lstStyle/>
           <a:p>
-            <a:fld id="{3D84AFC1-1904-48EB-8B09-EBD0EA3A0F3E}" type="slidenum">
+            <a:fld id="{6F733374-783B-4BE3-957A-35CA394D5AD6}" type="slidenum">
               <a:rPr lang="ko-KR" altLang="en-US" smtClean="0"/>
               <a:t>‹#›</a:t>
             </a:fld>
@@ -1654,7 +1873,7 @@
     </p:spTree>
     <p:extLst>
       <p:ext uri="{BB962C8B-B14F-4D97-AF65-F5344CB8AC3E}">
-        <p14:creationId xmlns:p14="http://schemas.microsoft.com/office/powerpoint/2010/main" val="3309338831"/>
+        <p14:creationId xmlns:p14="http://schemas.microsoft.com/office/powerpoint/2010/main" val="2801701995"/>
       </p:ext>
     </p:extLst>
   </p:cSld>
@@ -1683,7 +1902,13 @@
       </p:grpSpPr>
       <p:sp>
         <p:nvSpPr>
-          <p:cNvPr id="2" name="제목 1"/>
+          <p:cNvPr id="2" name="제목 1">
+            <a:extLst>
+              <a:ext uri="{FF2B5EF4-FFF2-40B4-BE49-F238E27FC236}">
+                <a16:creationId xmlns:a16="http://schemas.microsoft.com/office/drawing/2014/main" id="{22F9FB09-7803-4D10-A53B-526E6DD89ADD}"/>
+              </a:ext>
+            </a:extLst>
+          </p:cNvPr>
           <p:cNvSpPr>
             <a:spLocks noGrp="1"/>
           </p:cNvSpPr>
@@ -1697,31 +1922,36 @@
           <a:lstStyle/>
           <a:p>
             <a:r>
+              <a:rPr lang="ko-KR" altLang="en-US"/>
+              <a:t>마스터 제목 스타일 편집</a:t>
+            </a:r>
+          </a:p>
+        </p:txBody>
+      </p:sp>
+      <p:sp>
+        <p:nvSpPr>
+          <p:cNvPr id="3" name="날짜 개체 틀 2">
+            <a:extLst>
+              <a:ext uri="{FF2B5EF4-FFF2-40B4-BE49-F238E27FC236}">
+                <a16:creationId xmlns:a16="http://schemas.microsoft.com/office/drawing/2014/main" id="{43F35B17-5ABA-4514-8CBE-16C84E87B437}"/>
+              </a:ext>
+            </a:extLst>
+          </p:cNvPr>
+          <p:cNvSpPr>
+            <a:spLocks noGrp="1"/>
+          </p:cNvSpPr>
+          <p:nvPr>
+            <p:ph type="dt" sz="half" idx="10"/>
+          </p:nvPr>
+        </p:nvSpPr>
+        <p:spPr/>
+        <p:txBody>
+          <a:bodyPr/>
+          <a:lstStyle/>
+          <a:p>
+            <a:fld id="{0AA82046-C490-4F83-A32B-AE852D47094C}" type="datetimeFigureOut">
               <a:rPr lang="ko-KR" altLang="en-US" smtClean="0"/>
-              <a:t>마스터 제목 스타일 편집</a:t>
-            </a:r>
-            <a:endParaRPr lang="ko-KR" altLang="en-US"/>
-          </a:p>
-        </p:txBody>
-      </p:sp>
-      <p:sp>
-        <p:nvSpPr>
-          <p:cNvPr id="3" name="날짜 개체 틀 2"/>
-          <p:cNvSpPr>
-            <a:spLocks noGrp="1"/>
-          </p:cNvSpPr>
-          <p:nvPr>
-            <p:ph type="dt" sz="half" idx="10"/>
-          </p:nvPr>
-        </p:nvSpPr>
-        <p:spPr/>
-        <p:txBody>
-          <a:bodyPr/>
-          <a:lstStyle/>
-          <a:p>
-            <a:fld id="{CCC634C4-C2FC-4E9A-AAA7-9E2D24F0F4FC}" type="datetimeFigureOut">
-              <a:rPr lang="ko-KR" altLang="en-US" smtClean="0"/>
-              <a:t>2024-06-04</a:t>
+              <a:t>2024-06-12</a:t>
             </a:fld>
             <a:endParaRPr lang="ko-KR" altLang="en-US"/>
           </a:p>
@@ -1729,7 +1959,13 @@
       </p:sp>
       <p:sp>
         <p:nvSpPr>
-          <p:cNvPr id="4" name="바닥글 개체 틀 3"/>
+          <p:cNvPr id="4" name="바닥글 개체 틀 3">
+            <a:extLst>
+              <a:ext uri="{FF2B5EF4-FFF2-40B4-BE49-F238E27FC236}">
+                <a16:creationId xmlns:a16="http://schemas.microsoft.com/office/drawing/2014/main" id="{1304B84B-0DF3-4D9E-8C1D-A3966FC29142}"/>
+              </a:ext>
+            </a:extLst>
+          </p:cNvPr>
           <p:cNvSpPr>
             <a:spLocks noGrp="1"/>
           </p:cNvSpPr>
@@ -1748,7 +1984,13 @@
       </p:sp>
       <p:sp>
         <p:nvSpPr>
-          <p:cNvPr id="5" name="슬라이드 번호 개체 틀 4"/>
+          <p:cNvPr id="5" name="슬라이드 번호 개체 틀 4">
+            <a:extLst>
+              <a:ext uri="{FF2B5EF4-FFF2-40B4-BE49-F238E27FC236}">
+                <a16:creationId xmlns:a16="http://schemas.microsoft.com/office/drawing/2014/main" id="{D58E2006-EB0D-4BB9-974D-DE55156D2773}"/>
+              </a:ext>
+            </a:extLst>
+          </p:cNvPr>
           <p:cNvSpPr>
             <a:spLocks noGrp="1"/>
           </p:cNvSpPr>
@@ -1761,7 +2003,7 @@
           <a:bodyPr/>
           <a:lstStyle/>
           <a:p>
-            <a:fld id="{3D84AFC1-1904-48EB-8B09-EBD0EA3A0F3E}" type="slidenum">
+            <a:fld id="{6F733374-783B-4BE3-957A-35CA394D5AD6}" type="slidenum">
               <a:rPr lang="ko-KR" altLang="en-US" smtClean="0"/>
               <a:t>‹#›</a:t>
             </a:fld>
@@ -1772,7 +2014,7 @@
     </p:spTree>
     <p:extLst>
       <p:ext uri="{BB962C8B-B14F-4D97-AF65-F5344CB8AC3E}">
-        <p14:creationId xmlns:p14="http://schemas.microsoft.com/office/powerpoint/2010/main" val="3260410536"/>
+        <p14:creationId xmlns:p14="http://schemas.microsoft.com/office/powerpoint/2010/main" val="541615629"/>
       </p:ext>
     </p:extLst>
   </p:cSld>
@@ -1801,7 +2043,13 @@
       </p:grpSpPr>
       <p:sp>
         <p:nvSpPr>
-          <p:cNvPr id="2" name="날짜 개체 틀 1"/>
+          <p:cNvPr id="2" name="날짜 개체 틀 1">
+            <a:extLst>
+              <a:ext uri="{FF2B5EF4-FFF2-40B4-BE49-F238E27FC236}">
+                <a16:creationId xmlns:a16="http://schemas.microsoft.com/office/drawing/2014/main" id="{2EAC66CE-9765-4DED-AA50-D569702BA297}"/>
+              </a:ext>
+            </a:extLst>
+          </p:cNvPr>
           <p:cNvSpPr>
             <a:spLocks noGrp="1"/>
           </p:cNvSpPr>
@@ -1814,9 +2062,9 @@
           <a:bodyPr/>
           <a:lstStyle/>
           <a:p>
-            <a:fld id="{CCC634C4-C2FC-4E9A-AAA7-9E2D24F0F4FC}" type="datetimeFigureOut">
+            <a:fld id="{0AA82046-C490-4F83-A32B-AE852D47094C}" type="datetimeFigureOut">
               <a:rPr lang="ko-KR" altLang="en-US" smtClean="0"/>
-              <a:t>2024-06-04</a:t>
+              <a:t>2024-06-12</a:t>
             </a:fld>
             <a:endParaRPr lang="ko-KR" altLang="en-US"/>
           </a:p>
@@ -1824,7 +2072,13 @@
       </p:sp>
       <p:sp>
         <p:nvSpPr>
-          <p:cNvPr id="3" name="바닥글 개체 틀 2"/>
+          <p:cNvPr id="3" name="바닥글 개체 틀 2">
+            <a:extLst>
+              <a:ext uri="{FF2B5EF4-FFF2-40B4-BE49-F238E27FC236}">
+                <a16:creationId xmlns:a16="http://schemas.microsoft.com/office/drawing/2014/main" id="{BE07DBB7-3E8E-489B-9107-32A38E1136F6}"/>
+              </a:ext>
+            </a:extLst>
+          </p:cNvPr>
           <p:cNvSpPr>
             <a:spLocks noGrp="1"/>
           </p:cNvSpPr>
@@ -1843,7 +2097,13 @@
       </p:sp>
       <p:sp>
         <p:nvSpPr>
-          <p:cNvPr id="4" name="슬라이드 번호 개체 틀 3"/>
+          <p:cNvPr id="4" name="슬라이드 번호 개체 틀 3">
+            <a:extLst>
+              <a:ext uri="{FF2B5EF4-FFF2-40B4-BE49-F238E27FC236}">
+                <a16:creationId xmlns:a16="http://schemas.microsoft.com/office/drawing/2014/main" id="{3FE3DDBA-0EAE-49F9-9D59-A6D44A45A159}"/>
+              </a:ext>
+            </a:extLst>
+          </p:cNvPr>
           <p:cNvSpPr>
             <a:spLocks noGrp="1"/>
           </p:cNvSpPr>
@@ -1856,7 +2116,7 @@
           <a:bodyPr/>
           <a:lstStyle/>
           <a:p>
-            <a:fld id="{3D84AFC1-1904-48EB-8B09-EBD0EA3A0F3E}" type="slidenum">
+            <a:fld id="{6F733374-783B-4BE3-957A-35CA394D5AD6}" type="slidenum">
               <a:rPr lang="ko-KR" altLang="en-US" smtClean="0"/>
               <a:t>‹#›</a:t>
             </a:fld>
@@ -1867,7 +2127,7 @@
     </p:spTree>
     <p:extLst>
       <p:ext uri="{BB962C8B-B14F-4D97-AF65-F5344CB8AC3E}">
-        <p14:creationId xmlns:p14="http://schemas.microsoft.com/office/powerpoint/2010/main" val="1555571735"/>
+        <p14:creationId xmlns:p14="http://schemas.microsoft.com/office/powerpoint/2010/main" val="1668678751"/>
       </p:ext>
     </p:extLst>
   </p:cSld>
@@ -1896,7 +2156,13 @@
       </p:grpSpPr>
       <p:sp>
         <p:nvSpPr>
-          <p:cNvPr id="2" name="제목 1"/>
+          <p:cNvPr id="2" name="제목 1">
+            <a:extLst>
+              <a:ext uri="{FF2B5EF4-FFF2-40B4-BE49-F238E27FC236}">
+                <a16:creationId xmlns:a16="http://schemas.microsoft.com/office/drawing/2014/main" id="{ED821BFB-D1C0-4D03-9358-1AB75B3DB6CB}"/>
+              </a:ext>
+            </a:extLst>
+          </p:cNvPr>
           <p:cNvSpPr>
             <a:spLocks noGrp="1"/>
           </p:cNvSpPr>
@@ -1919,16 +2185,21 @@
           </a:lstStyle>
           <a:p>
             <a:r>
-              <a:rPr lang="ko-KR" altLang="en-US" smtClean="0"/>
+              <a:rPr lang="ko-KR" altLang="en-US"/>
               <a:t>마스터 제목 스타일 편집</a:t>
             </a:r>
-            <a:endParaRPr lang="ko-KR" altLang="en-US"/>
-          </a:p>
-        </p:txBody>
-      </p:sp>
-      <p:sp>
-        <p:nvSpPr>
-          <p:cNvPr id="3" name="내용 개체 틀 2"/>
+          </a:p>
+        </p:txBody>
+      </p:sp>
+      <p:sp>
+        <p:nvSpPr>
+          <p:cNvPr id="3" name="내용 개체 틀 2">
+            <a:extLst>
+              <a:ext uri="{FF2B5EF4-FFF2-40B4-BE49-F238E27FC236}">
+                <a16:creationId xmlns:a16="http://schemas.microsoft.com/office/drawing/2014/main" id="{FFAC34DF-0A68-4643-809C-71B254BAFC6B}"/>
+              </a:ext>
+            </a:extLst>
+          </p:cNvPr>
           <p:cNvSpPr>
             <a:spLocks noGrp="1"/>
           </p:cNvSpPr>
@@ -1976,44 +2247,49 @@
           <a:p>
             <a:pPr lvl="0"/>
             <a:r>
-              <a:rPr lang="ko-KR" altLang="en-US" smtClean="0"/>
-              <a:t>마스터 텍스트 스타일 편집</a:t>
+              <a:rPr lang="ko-KR" altLang="en-US"/>
+              <a:t>마스터 텍스트 스타일을 편집하려면 클릭</a:t>
             </a:r>
           </a:p>
           <a:p>
             <a:pPr lvl="1"/>
             <a:r>
-              <a:rPr lang="ko-KR" altLang="en-US" smtClean="0"/>
-              <a:t>둘째 수준</a:t>
+              <a:rPr lang="ko-KR" altLang="en-US"/>
+              <a:t>두 번째 수준</a:t>
             </a:r>
           </a:p>
           <a:p>
             <a:pPr lvl="2"/>
             <a:r>
-              <a:rPr lang="ko-KR" altLang="en-US" smtClean="0"/>
-              <a:t>셋째 수준</a:t>
+              <a:rPr lang="ko-KR" altLang="en-US"/>
+              <a:t>세 번째 수준</a:t>
             </a:r>
           </a:p>
           <a:p>
             <a:pPr lvl="3"/>
             <a:r>
-              <a:rPr lang="ko-KR" altLang="en-US" smtClean="0"/>
-              <a:t>넷째 수준</a:t>
+              <a:rPr lang="ko-KR" altLang="en-US"/>
+              <a:t>네 번째 수준</a:t>
             </a:r>
           </a:p>
           <a:p>
             <a:pPr lvl="4"/>
             <a:r>
-              <a:rPr lang="ko-KR" altLang="en-US" smtClean="0"/>
-              <a:t>다섯째 수준</a:t>
-            </a:r>
-            <a:endParaRPr lang="ko-KR" altLang="en-US"/>
-          </a:p>
-        </p:txBody>
-      </p:sp>
-      <p:sp>
-        <p:nvSpPr>
-          <p:cNvPr id="4" name="텍스트 개체 틀 3"/>
+              <a:rPr lang="ko-KR" altLang="en-US"/>
+              <a:t>다섯 번째 수준</a:t>
+            </a:r>
+          </a:p>
+        </p:txBody>
+      </p:sp>
+      <p:sp>
+        <p:nvSpPr>
+          <p:cNvPr id="4" name="텍스트 개체 틀 3">
+            <a:extLst>
+              <a:ext uri="{FF2B5EF4-FFF2-40B4-BE49-F238E27FC236}">
+                <a16:creationId xmlns:a16="http://schemas.microsoft.com/office/drawing/2014/main" id="{D5CF13FC-D458-4EFE-B3C8-9585D01F3D34}"/>
+              </a:ext>
+            </a:extLst>
+          </p:cNvPr>
           <p:cNvSpPr>
             <a:spLocks noGrp="1"/>
           </p:cNvSpPr>
@@ -2070,30 +2346,36 @@
           <a:p>
             <a:pPr lvl="0"/>
             <a:r>
+              <a:rPr lang="ko-KR" altLang="en-US"/>
+              <a:t>마스터 텍스트 스타일을 편집하려면 클릭</a:t>
+            </a:r>
+          </a:p>
+        </p:txBody>
+      </p:sp>
+      <p:sp>
+        <p:nvSpPr>
+          <p:cNvPr id="5" name="날짜 개체 틀 4">
+            <a:extLst>
+              <a:ext uri="{FF2B5EF4-FFF2-40B4-BE49-F238E27FC236}">
+                <a16:creationId xmlns:a16="http://schemas.microsoft.com/office/drawing/2014/main" id="{AE2B6FA5-4A45-4C9C-A9D7-EDFB07CBDBB7}"/>
+              </a:ext>
+            </a:extLst>
+          </p:cNvPr>
+          <p:cNvSpPr>
+            <a:spLocks noGrp="1"/>
+          </p:cNvSpPr>
+          <p:nvPr>
+            <p:ph type="dt" sz="half" idx="10"/>
+          </p:nvPr>
+        </p:nvSpPr>
+        <p:spPr/>
+        <p:txBody>
+          <a:bodyPr/>
+          <a:lstStyle/>
+          <a:p>
+            <a:fld id="{0AA82046-C490-4F83-A32B-AE852D47094C}" type="datetimeFigureOut">
               <a:rPr lang="ko-KR" altLang="en-US" smtClean="0"/>
-              <a:t>마스터 텍스트 스타일 편집</a:t>
-            </a:r>
-          </a:p>
-        </p:txBody>
-      </p:sp>
-      <p:sp>
-        <p:nvSpPr>
-          <p:cNvPr id="5" name="날짜 개체 틀 4"/>
-          <p:cNvSpPr>
-            <a:spLocks noGrp="1"/>
-          </p:cNvSpPr>
-          <p:nvPr>
-            <p:ph type="dt" sz="half" idx="10"/>
-          </p:nvPr>
-        </p:nvSpPr>
-        <p:spPr/>
-        <p:txBody>
-          <a:bodyPr/>
-          <a:lstStyle/>
-          <a:p>
-            <a:fld id="{CCC634C4-C2FC-4E9A-AAA7-9E2D24F0F4FC}" type="datetimeFigureOut">
-              <a:rPr lang="ko-KR" altLang="en-US" smtClean="0"/>
-              <a:t>2024-06-04</a:t>
+              <a:t>2024-06-12</a:t>
             </a:fld>
             <a:endParaRPr lang="ko-KR" altLang="en-US"/>
           </a:p>
@@ -2101,7 +2383,13 @@
       </p:sp>
       <p:sp>
         <p:nvSpPr>
-          <p:cNvPr id="6" name="바닥글 개체 틀 5"/>
+          <p:cNvPr id="6" name="바닥글 개체 틀 5">
+            <a:extLst>
+              <a:ext uri="{FF2B5EF4-FFF2-40B4-BE49-F238E27FC236}">
+                <a16:creationId xmlns:a16="http://schemas.microsoft.com/office/drawing/2014/main" id="{A0897DC8-EB20-4E5B-8D08-D3AC626647B0}"/>
+              </a:ext>
+            </a:extLst>
+          </p:cNvPr>
           <p:cNvSpPr>
             <a:spLocks noGrp="1"/>
           </p:cNvSpPr>
@@ -2120,7 +2408,13 @@
       </p:sp>
       <p:sp>
         <p:nvSpPr>
-          <p:cNvPr id="7" name="슬라이드 번호 개체 틀 6"/>
+          <p:cNvPr id="7" name="슬라이드 번호 개체 틀 6">
+            <a:extLst>
+              <a:ext uri="{FF2B5EF4-FFF2-40B4-BE49-F238E27FC236}">
+                <a16:creationId xmlns:a16="http://schemas.microsoft.com/office/drawing/2014/main" id="{EDDF7594-6443-45F4-8A25-54262051D816}"/>
+              </a:ext>
+            </a:extLst>
+          </p:cNvPr>
           <p:cNvSpPr>
             <a:spLocks noGrp="1"/>
           </p:cNvSpPr>
@@ -2133,7 +2427,7 @@
           <a:bodyPr/>
           <a:lstStyle/>
           <a:p>
-            <a:fld id="{3D84AFC1-1904-48EB-8B09-EBD0EA3A0F3E}" type="slidenum">
+            <a:fld id="{6F733374-783B-4BE3-957A-35CA394D5AD6}" type="slidenum">
               <a:rPr lang="ko-KR" altLang="en-US" smtClean="0"/>
               <a:t>‹#›</a:t>
             </a:fld>
@@ -2144,7 +2438,7 @@
     </p:spTree>
     <p:extLst>
       <p:ext uri="{BB962C8B-B14F-4D97-AF65-F5344CB8AC3E}">
-        <p14:creationId xmlns:p14="http://schemas.microsoft.com/office/powerpoint/2010/main" val="3679902142"/>
+        <p14:creationId xmlns:p14="http://schemas.microsoft.com/office/powerpoint/2010/main" val="3388625167"/>
       </p:ext>
     </p:extLst>
   </p:cSld>
@@ -2173,7 +2467,13 @@
       </p:grpSpPr>
       <p:sp>
         <p:nvSpPr>
-          <p:cNvPr id="2" name="제목 1"/>
+          <p:cNvPr id="2" name="제목 1">
+            <a:extLst>
+              <a:ext uri="{FF2B5EF4-FFF2-40B4-BE49-F238E27FC236}">
+                <a16:creationId xmlns:a16="http://schemas.microsoft.com/office/drawing/2014/main" id="{EA5AA1B1-60A0-4425-9A48-4FA87F0C24F1}"/>
+              </a:ext>
+            </a:extLst>
+          </p:cNvPr>
           <p:cNvSpPr>
             <a:spLocks noGrp="1"/>
           </p:cNvSpPr>
@@ -2196,16 +2496,21 @@
           </a:lstStyle>
           <a:p>
             <a:r>
-              <a:rPr lang="ko-KR" altLang="en-US" smtClean="0"/>
+              <a:rPr lang="ko-KR" altLang="en-US"/>
               <a:t>마스터 제목 스타일 편집</a:t>
             </a:r>
-            <a:endParaRPr lang="ko-KR" altLang="en-US"/>
-          </a:p>
-        </p:txBody>
-      </p:sp>
-      <p:sp>
-        <p:nvSpPr>
-          <p:cNvPr id="3" name="그림 개체 틀 2"/>
+          </a:p>
+        </p:txBody>
+      </p:sp>
+      <p:sp>
+        <p:nvSpPr>
+          <p:cNvPr id="3" name="그림 개체 틀 2">
+            <a:extLst>
+              <a:ext uri="{FF2B5EF4-FFF2-40B4-BE49-F238E27FC236}">
+                <a16:creationId xmlns:a16="http://schemas.microsoft.com/office/drawing/2014/main" id="{9147A181-7F09-4172-86BB-185786C43F26}"/>
+              </a:ext>
+            </a:extLst>
+          </p:cNvPr>
           <p:cNvSpPr>
             <a:spLocks noGrp="1"/>
           </p:cNvSpPr>
@@ -2266,7 +2571,13 @@
       </p:sp>
       <p:sp>
         <p:nvSpPr>
-          <p:cNvPr id="4" name="텍스트 개체 틀 3"/>
+          <p:cNvPr id="4" name="텍스트 개체 틀 3">
+            <a:extLst>
+              <a:ext uri="{FF2B5EF4-FFF2-40B4-BE49-F238E27FC236}">
+                <a16:creationId xmlns:a16="http://schemas.microsoft.com/office/drawing/2014/main" id="{06B7FACE-D316-4C5A-9FCF-517D07B633EE}"/>
+              </a:ext>
+            </a:extLst>
+          </p:cNvPr>
           <p:cNvSpPr>
             <a:spLocks noGrp="1"/>
           </p:cNvSpPr>
@@ -2323,30 +2634,36 @@
           <a:p>
             <a:pPr lvl="0"/>
             <a:r>
+              <a:rPr lang="ko-KR" altLang="en-US"/>
+              <a:t>마스터 텍스트 스타일을 편집하려면 클릭</a:t>
+            </a:r>
+          </a:p>
+        </p:txBody>
+      </p:sp>
+      <p:sp>
+        <p:nvSpPr>
+          <p:cNvPr id="5" name="날짜 개체 틀 4">
+            <a:extLst>
+              <a:ext uri="{FF2B5EF4-FFF2-40B4-BE49-F238E27FC236}">
+                <a16:creationId xmlns:a16="http://schemas.microsoft.com/office/drawing/2014/main" id="{F45B708A-D445-44AC-9700-7A9F27C7A8A2}"/>
+              </a:ext>
+            </a:extLst>
+          </p:cNvPr>
+          <p:cNvSpPr>
+            <a:spLocks noGrp="1"/>
+          </p:cNvSpPr>
+          <p:nvPr>
+            <p:ph type="dt" sz="half" idx="10"/>
+          </p:nvPr>
+        </p:nvSpPr>
+        <p:spPr/>
+        <p:txBody>
+          <a:bodyPr/>
+          <a:lstStyle/>
+          <a:p>
+            <a:fld id="{0AA82046-C490-4F83-A32B-AE852D47094C}" type="datetimeFigureOut">
               <a:rPr lang="ko-KR" altLang="en-US" smtClean="0"/>
-              <a:t>마스터 텍스트 스타일 편집</a:t>
-            </a:r>
-          </a:p>
-        </p:txBody>
-      </p:sp>
-      <p:sp>
-        <p:nvSpPr>
-          <p:cNvPr id="5" name="날짜 개체 틀 4"/>
-          <p:cNvSpPr>
-            <a:spLocks noGrp="1"/>
-          </p:cNvSpPr>
-          <p:nvPr>
-            <p:ph type="dt" sz="half" idx="10"/>
-          </p:nvPr>
-        </p:nvSpPr>
-        <p:spPr/>
-        <p:txBody>
-          <a:bodyPr/>
-          <a:lstStyle/>
-          <a:p>
-            <a:fld id="{CCC634C4-C2FC-4E9A-AAA7-9E2D24F0F4FC}" type="datetimeFigureOut">
-              <a:rPr lang="ko-KR" altLang="en-US" smtClean="0"/>
-              <a:t>2024-06-04</a:t>
+              <a:t>2024-06-12</a:t>
             </a:fld>
             <a:endParaRPr lang="ko-KR" altLang="en-US"/>
           </a:p>
@@ -2354,7 +2671,13 @@
       </p:sp>
       <p:sp>
         <p:nvSpPr>
-          <p:cNvPr id="6" name="바닥글 개체 틀 5"/>
+          <p:cNvPr id="6" name="바닥글 개체 틀 5">
+            <a:extLst>
+              <a:ext uri="{FF2B5EF4-FFF2-40B4-BE49-F238E27FC236}">
+                <a16:creationId xmlns:a16="http://schemas.microsoft.com/office/drawing/2014/main" id="{9202A006-EA9E-4E50-BEE7-F6AC3563CA3C}"/>
+              </a:ext>
+            </a:extLst>
+          </p:cNvPr>
           <p:cNvSpPr>
             <a:spLocks noGrp="1"/>
           </p:cNvSpPr>
@@ -2373,7 +2696,13 @@
       </p:sp>
       <p:sp>
         <p:nvSpPr>
-          <p:cNvPr id="7" name="슬라이드 번호 개체 틀 6"/>
+          <p:cNvPr id="7" name="슬라이드 번호 개체 틀 6">
+            <a:extLst>
+              <a:ext uri="{FF2B5EF4-FFF2-40B4-BE49-F238E27FC236}">
+                <a16:creationId xmlns:a16="http://schemas.microsoft.com/office/drawing/2014/main" id="{3CA6F319-A07E-4D0D-B625-981D6E63F055}"/>
+              </a:ext>
+            </a:extLst>
+          </p:cNvPr>
           <p:cNvSpPr>
             <a:spLocks noGrp="1"/>
           </p:cNvSpPr>
@@ -2386,7 +2715,7 @@
           <a:bodyPr/>
           <a:lstStyle/>
           <a:p>
-            <a:fld id="{3D84AFC1-1904-48EB-8B09-EBD0EA3A0F3E}" type="slidenum">
+            <a:fld id="{6F733374-783B-4BE3-957A-35CA394D5AD6}" type="slidenum">
               <a:rPr lang="ko-KR" altLang="en-US" smtClean="0"/>
               <a:t>‹#›</a:t>
             </a:fld>
@@ -2397,7 +2726,7 @@
     </p:spTree>
     <p:extLst>
       <p:ext uri="{BB962C8B-B14F-4D97-AF65-F5344CB8AC3E}">
-        <p14:creationId xmlns:p14="http://schemas.microsoft.com/office/powerpoint/2010/main" val="766107709"/>
+        <p14:creationId xmlns:p14="http://schemas.microsoft.com/office/powerpoint/2010/main" val="3234809983"/>
       </p:ext>
     </p:extLst>
   </p:cSld>
@@ -2431,7 +2760,13 @@
       </p:grpSpPr>
       <p:sp>
         <p:nvSpPr>
-          <p:cNvPr id="2" name="제목 개체 틀 1"/>
+          <p:cNvPr id="2" name="제목 개체 틀 1">
+            <a:extLst>
+              <a:ext uri="{FF2B5EF4-FFF2-40B4-BE49-F238E27FC236}">
+                <a16:creationId xmlns:a16="http://schemas.microsoft.com/office/drawing/2014/main" id="{C3C0C4E6-91BE-48FC-8D3D-21ECA09B95F8}"/>
+              </a:ext>
+            </a:extLst>
+          </p:cNvPr>
           <p:cNvSpPr>
             <a:spLocks noGrp="1"/>
           </p:cNvSpPr>
@@ -2455,16 +2790,21 @@
           <a:lstStyle/>
           <a:p>
             <a:r>
-              <a:rPr lang="ko-KR" altLang="en-US" smtClean="0"/>
+              <a:rPr lang="ko-KR" altLang="en-US"/>
               <a:t>마스터 제목 스타일 편집</a:t>
             </a:r>
-            <a:endParaRPr lang="ko-KR" altLang="en-US"/>
-          </a:p>
-        </p:txBody>
-      </p:sp>
-      <p:sp>
-        <p:nvSpPr>
-          <p:cNvPr id="3" name="텍스트 개체 틀 2"/>
+          </a:p>
+        </p:txBody>
+      </p:sp>
+      <p:sp>
+        <p:nvSpPr>
+          <p:cNvPr id="3" name="텍스트 개체 틀 2">
+            <a:extLst>
+              <a:ext uri="{FF2B5EF4-FFF2-40B4-BE49-F238E27FC236}">
+                <a16:creationId xmlns:a16="http://schemas.microsoft.com/office/drawing/2014/main" id="{35396D84-1DA3-424E-96CD-17D18D18C57A}"/>
+              </a:ext>
+            </a:extLst>
+          </p:cNvPr>
           <p:cNvSpPr>
             <a:spLocks noGrp="1"/>
           </p:cNvSpPr>
@@ -2489,44 +2829,49 @@
           <a:p>
             <a:pPr lvl="0"/>
             <a:r>
-              <a:rPr lang="ko-KR" altLang="en-US" smtClean="0"/>
-              <a:t>마스터 텍스트 스타일 편집</a:t>
+              <a:rPr lang="ko-KR" altLang="en-US"/>
+              <a:t>마스터 텍스트 스타일을 편집하려면 클릭</a:t>
             </a:r>
           </a:p>
           <a:p>
             <a:pPr lvl="1"/>
             <a:r>
-              <a:rPr lang="ko-KR" altLang="en-US" smtClean="0"/>
-              <a:t>둘째 수준</a:t>
+              <a:rPr lang="ko-KR" altLang="en-US"/>
+              <a:t>두 번째 수준</a:t>
             </a:r>
           </a:p>
           <a:p>
             <a:pPr lvl="2"/>
             <a:r>
-              <a:rPr lang="ko-KR" altLang="en-US" smtClean="0"/>
-              <a:t>셋째 수준</a:t>
+              <a:rPr lang="ko-KR" altLang="en-US"/>
+              <a:t>세 번째 수준</a:t>
             </a:r>
           </a:p>
           <a:p>
             <a:pPr lvl="3"/>
             <a:r>
-              <a:rPr lang="ko-KR" altLang="en-US" smtClean="0"/>
-              <a:t>넷째 수준</a:t>
+              <a:rPr lang="ko-KR" altLang="en-US"/>
+              <a:t>네 번째 수준</a:t>
             </a:r>
           </a:p>
           <a:p>
             <a:pPr lvl="4"/>
             <a:r>
-              <a:rPr lang="ko-KR" altLang="en-US" smtClean="0"/>
-              <a:t>다섯째 수준</a:t>
-            </a:r>
-            <a:endParaRPr lang="ko-KR" altLang="en-US"/>
-          </a:p>
-        </p:txBody>
-      </p:sp>
-      <p:sp>
-        <p:nvSpPr>
-          <p:cNvPr id="4" name="날짜 개체 틀 3"/>
+              <a:rPr lang="ko-KR" altLang="en-US"/>
+              <a:t>다섯 번째 수준</a:t>
+            </a:r>
+          </a:p>
+        </p:txBody>
+      </p:sp>
+      <p:sp>
+        <p:nvSpPr>
+          <p:cNvPr id="4" name="날짜 개체 틀 3">
+            <a:extLst>
+              <a:ext uri="{FF2B5EF4-FFF2-40B4-BE49-F238E27FC236}">
+                <a16:creationId xmlns:a16="http://schemas.microsoft.com/office/drawing/2014/main" id="{41B74AAE-A4BE-4629-ADAD-ECB2BC6D05B8}"/>
+              </a:ext>
+            </a:extLst>
+          </p:cNvPr>
           <p:cNvSpPr>
             <a:spLocks noGrp="1"/>
           </p:cNvSpPr>
@@ -2557,9 +2902,9 @@
             </a:lvl1pPr>
           </a:lstStyle>
           <a:p>
-            <a:fld id="{CCC634C4-C2FC-4E9A-AAA7-9E2D24F0F4FC}" type="datetimeFigureOut">
+            <a:fld id="{0AA82046-C490-4F83-A32B-AE852D47094C}" type="datetimeFigureOut">
               <a:rPr lang="ko-KR" altLang="en-US" smtClean="0"/>
-              <a:t>2024-06-04</a:t>
+              <a:t>2024-06-12</a:t>
             </a:fld>
             <a:endParaRPr lang="ko-KR" altLang="en-US"/>
           </a:p>
@@ -2567,7 +2912,13 @@
       </p:sp>
       <p:sp>
         <p:nvSpPr>
-          <p:cNvPr id="5" name="바닥글 개체 틀 4"/>
+          <p:cNvPr id="5" name="바닥글 개체 틀 4">
+            <a:extLst>
+              <a:ext uri="{FF2B5EF4-FFF2-40B4-BE49-F238E27FC236}">
+                <a16:creationId xmlns:a16="http://schemas.microsoft.com/office/drawing/2014/main" id="{38701353-E139-47F1-A5E8-C133C5965609}"/>
+              </a:ext>
+            </a:extLst>
+          </p:cNvPr>
           <p:cNvSpPr>
             <a:spLocks noGrp="1"/>
           </p:cNvSpPr>
@@ -2604,7 +2955,13 @@
       </p:sp>
       <p:sp>
         <p:nvSpPr>
-          <p:cNvPr id="6" name="슬라이드 번호 개체 틀 5"/>
+          <p:cNvPr id="6" name="슬라이드 번호 개체 틀 5">
+            <a:extLst>
+              <a:ext uri="{FF2B5EF4-FFF2-40B4-BE49-F238E27FC236}">
+                <a16:creationId xmlns:a16="http://schemas.microsoft.com/office/drawing/2014/main" id="{09A3AB0C-A6BA-48F1-A0B6-ACBB9262FD80}"/>
+              </a:ext>
+            </a:extLst>
+          </p:cNvPr>
           <p:cNvSpPr>
             <a:spLocks noGrp="1"/>
           </p:cNvSpPr>
@@ -2635,7 +2992,7 @@
             </a:lvl1pPr>
           </a:lstStyle>
           <a:p>
-            <a:fld id="{3D84AFC1-1904-48EB-8B09-EBD0EA3A0F3E}" type="slidenum">
+            <a:fld id="{6F733374-783B-4BE3-957A-35CA394D5AD6}" type="slidenum">
               <a:rPr lang="ko-KR" altLang="en-US" smtClean="0"/>
               <a:t>‹#›</a:t>
             </a:fld>
@@ -2646,7 +3003,7 @@
     </p:spTree>
     <p:extLst>
       <p:ext uri="{BB962C8B-B14F-4D97-AF65-F5344CB8AC3E}">
-        <p14:creationId xmlns:p14="http://schemas.microsoft.com/office/powerpoint/2010/main" val="3146688053"/>
+        <p14:creationId xmlns:p14="http://schemas.microsoft.com/office/powerpoint/2010/main" val="1958098903"/>
       </p:ext>
     </p:extLst>
   </p:cSld>
@@ -2966,7 +3323,13 @@
       </p:grpSpPr>
       <p:sp>
         <p:nvSpPr>
-          <p:cNvPr id="2" name="제목 1"/>
+          <p:cNvPr id="2" name="제목 1">
+            <a:extLst>
+              <a:ext uri="{FF2B5EF4-FFF2-40B4-BE49-F238E27FC236}">
+                <a16:creationId xmlns:a16="http://schemas.microsoft.com/office/drawing/2014/main" id="{9D09C488-BEDB-413B-A7BA-34D5F066F611}"/>
+              </a:ext>
+            </a:extLst>
+          </p:cNvPr>
           <p:cNvSpPr>
             <a:spLocks noGrp="1"/>
           </p:cNvSpPr>
@@ -2980,36 +3343,42 @@
           <a:lstStyle/>
           <a:p>
             <a:r>
-              <a:rPr lang="en-US" altLang="ko-KR" dirty="0" smtClean="0"/>
-              <a:t>TEST</a:t>
-            </a:r>
+              <a:rPr lang="en-US" altLang="ko-KR"/>
+              <a:t>test</a:t>
+            </a:r>
+            <a:endParaRPr lang="ko-KR" altLang="en-US"/>
+          </a:p>
+        </p:txBody>
+      </p:sp>
+      <p:sp>
+        <p:nvSpPr>
+          <p:cNvPr id="3" name="부제목 2">
+            <a:extLst>
+              <a:ext uri="{FF2B5EF4-FFF2-40B4-BE49-F238E27FC236}">
+                <a16:creationId xmlns:a16="http://schemas.microsoft.com/office/drawing/2014/main" id="{A006A5AD-035E-454B-B8F5-2A3EB728DB13}"/>
+              </a:ext>
+            </a:extLst>
+          </p:cNvPr>
+          <p:cNvSpPr>
+            <a:spLocks noGrp="1"/>
+          </p:cNvSpPr>
+          <p:nvPr>
+            <p:ph type="subTitle" idx="1"/>
+          </p:nvPr>
+        </p:nvSpPr>
+        <p:spPr/>
+        <p:txBody>
+          <a:bodyPr/>
+          <a:lstStyle/>
+          <a:p>
             <a:endParaRPr lang="ko-KR" altLang="en-US" dirty="0"/>
-          </a:p>
-        </p:txBody>
-      </p:sp>
-      <p:sp>
-        <p:nvSpPr>
-          <p:cNvPr id="3" name="부제목 2"/>
-          <p:cNvSpPr>
-            <a:spLocks noGrp="1"/>
-          </p:cNvSpPr>
-          <p:nvPr>
-            <p:ph type="subTitle" idx="1"/>
-          </p:nvPr>
-        </p:nvSpPr>
-        <p:spPr/>
-        <p:txBody>
-          <a:bodyPr/>
-          <a:lstStyle/>
-          <a:p>
-            <a:endParaRPr lang="ko-KR" altLang="en-US"/>
           </a:p>
         </p:txBody>
       </p:sp>
     </p:spTree>
     <p:extLst>
       <p:ext uri="{BB962C8B-B14F-4D97-AF65-F5344CB8AC3E}">
-        <p14:creationId xmlns:p14="http://schemas.microsoft.com/office/powerpoint/2010/main" val="1752069093"/>
+        <p14:creationId xmlns:p14="http://schemas.microsoft.com/office/powerpoint/2010/main" val="434205583"/>
       </p:ext>
     </p:extLst>
   </p:cSld>
@@ -3036,7 +3405,7 @@
         <a:srgbClr val="E7E6E6"/>
       </a:lt2>
       <a:accent1>
-        <a:srgbClr val="5B9BD5"/>
+        <a:srgbClr val="4472C4"/>
       </a:accent1>
       <a:accent2>
         <a:srgbClr val="ED7D31"/>
@@ -3048,7 +3417,7 @@
         <a:srgbClr val="FFC000"/>
       </a:accent4>
       <a:accent5>
-        <a:srgbClr val="4472C4"/>
+        <a:srgbClr val="5B9BD5"/>
       </a:accent5>
       <a:accent6>
         <a:srgbClr val="70AD47"/>
@@ -3095,6 +3464,23 @@
         <a:font script="Viet" typeface="Times New Roman"/>
         <a:font script="Uigh" typeface="Microsoft Uighur"/>
         <a:font script="Geor" typeface="Sylfaen"/>
+        <a:font script="Armn" typeface="Arial"/>
+        <a:font script="Bugi" typeface="Leelawadee UI"/>
+        <a:font script="Bopo" typeface="Microsoft JhengHei"/>
+        <a:font script="Java" typeface="Javanese Text"/>
+        <a:font script="Lisu" typeface="Segoe UI"/>
+        <a:font script="Mymr" typeface="Myanmar Text"/>
+        <a:font script="Nkoo" typeface="Ebrima"/>
+        <a:font script="Olck" typeface="Nirmala UI"/>
+        <a:font script="Osma" typeface="Ebrima"/>
+        <a:font script="Phag" typeface="Phagspa"/>
+        <a:font script="Syrn" typeface="Estrangelo Edessa"/>
+        <a:font script="Syrj" typeface="Estrangelo Edessa"/>
+        <a:font script="Syre" typeface="Estrangelo Edessa"/>
+        <a:font script="Sora" typeface="Nirmala UI"/>
+        <a:font script="Tale" typeface="Microsoft Tai Le"/>
+        <a:font script="Talu" typeface="Microsoft New Tai Lue"/>
+        <a:font script="Tfng" typeface="Ebrima"/>
       </a:majorFont>
       <a:minorFont>
         <a:latin typeface="맑은 고딕" panose="020F0502020204030204"/>
@@ -3130,6 +3516,23 @@
         <a:font script="Viet" typeface="Arial"/>
         <a:font script="Uigh" typeface="Microsoft Uighur"/>
         <a:font script="Geor" typeface="Sylfaen"/>
+        <a:font script="Armn" typeface="Arial"/>
+        <a:font script="Bugi" typeface="Leelawadee UI"/>
+        <a:font script="Bopo" typeface="Microsoft JhengHei"/>
+        <a:font script="Java" typeface="Javanese Text"/>
+        <a:font script="Lisu" typeface="Segoe UI"/>
+        <a:font script="Mymr" typeface="Myanmar Text"/>
+        <a:font script="Nkoo" typeface="Ebrima"/>
+        <a:font script="Olck" typeface="Nirmala UI"/>
+        <a:font script="Osma" typeface="Ebrima"/>
+        <a:font script="Phag" typeface="Phagspa"/>
+        <a:font script="Syrn" typeface="Estrangelo Edessa"/>
+        <a:font script="Syrj" typeface="Estrangelo Edessa"/>
+        <a:font script="Syre" typeface="Estrangelo Edessa"/>
+        <a:font script="Sora" typeface="Nirmala UI"/>
+        <a:font script="Tale" typeface="Microsoft Tai Le"/>
+        <a:font script="Talu" typeface="Microsoft New Tai Lue"/>
+        <a:font script="Tfng" typeface="Ebrima"/>
       </a:minorFont>
     </a:fontScheme>
     <a:fmtScheme name="Office">
